--- a/assets/aitest/presentation.pptx
+++ b/assets/aitest/presentation.pptx
@@ -32,10 +32,12 @@
     <p:sldId id="286" r:id="rId26"/>
     <p:sldId id="277" r:id="rId27"/>
     <p:sldId id="278" r:id="rId28"/>
-    <p:sldId id="280" r:id="rId29"/>
-    <p:sldId id="279" r:id="rId30"/>
-    <p:sldId id="281" r:id="rId31"/>
+    <p:sldId id="279" r:id="rId29"/>
+    <p:sldId id="281" r:id="rId30"/>
+    <p:sldId id="280" r:id="rId31"/>
     <p:sldId id="282" r:id="rId32"/>
+    <p:sldId id="287" r:id="rId33"/>
+    <p:sldId id="288" r:id="rId34"/>
   </p:sldIdLst>
   <p:sldSz cx="12192000" cy="6858000"/>
   <p:notesSz cx="6858000" cy="9144000"/>
@@ -887,7 +889,7 @@
           <a:p>
             <a:fld id="{04DE1D41-4433-4282-8C7E-3DF2C1D9A926}" type="datetimeFigureOut">
               <a:rPr lang="fr-FR" smtClean="0"/>
-              <a:t>26/07/2020</a:t>
+              <a:t>27/07/2020</a:t>
             </a:fld>
             <a:endParaRPr lang="fr-FR"/>
           </a:p>
@@ -1145,7 +1147,7 @@
           <a:p>
             <a:fld id="{04DE1D41-4433-4282-8C7E-3DF2C1D9A926}" type="datetimeFigureOut">
               <a:rPr lang="fr-FR" smtClean="0"/>
-              <a:t>26/07/2020</a:t>
+              <a:t>27/07/2020</a:t>
             </a:fld>
             <a:endParaRPr lang="fr-FR"/>
           </a:p>
@@ -1459,7 +1461,7 @@
           <a:p>
             <a:fld id="{04DE1D41-4433-4282-8C7E-3DF2C1D9A926}" type="datetimeFigureOut">
               <a:rPr lang="fr-FR" smtClean="0"/>
-              <a:t>26/07/2020</a:t>
+              <a:t>27/07/2020</a:t>
             </a:fld>
             <a:endParaRPr lang="fr-FR"/>
           </a:p>
@@ -1792,7 +1794,7 @@
           <a:p>
             <a:fld id="{04DE1D41-4433-4282-8C7E-3DF2C1D9A926}" type="datetimeFigureOut">
               <a:rPr lang="fr-FR" smtClean="0"/>
-              <a:t>26/07/2020</a:t>
+              <a:t>27/07/2020</a:t>
             </a:fld>
             <a:endParaRPr lang="fr-FR"/>
           </a:p>
@@ -2106,7 +2108,7 @@
           <a:p>
             <a:fld id="{04DE1D41-4433-4282-8C7E-3DF2C1D9A926}" type="datetimeFigureOut">
               <a:rPr lang="fr-FR" smtClean="0"/>
-              <a:t>26/07/2020</a:t>
+              <a:t>27/07/2020</a:t>
             </a:fld>
             <a:endParaRPr lang="fr-FR"/>
           </a:p>
@@ -2499,7 +2501,7 @@
           <a:p>
             <a:fld id="{04DE1D41-4433-4282-8C7E-3DF2C1D9A926}" type="datetimeFigureOut">
               <a:rPr lang="fr-FR" smtClean="0"/>
-              <a:t>26/07/2020</a:t>
+              <a:t>27/07/2020</a:t>
             </a:fld>
             <a:endParaRPr lang="fr-FR"/>
           </a:p>
@@ -2669,7 +2671,7 @@
           <a:p>
             <a:fld id="{04DE1D41-4433-4282-8C7E-3DF2C1D9A926}" type="datetimeFigureOut">
               <a:rPr lang="fr-FR" smtClean="0"/>
-              <a:t>26/07/2020</a:t>
+              <a:t>27/07/2020</a:t>
             </a:fld>
             <a:endParaRPr lang="fr-FR"/>
           </a:p>
@@ -2849,7 +2851,7 @@
           <a:p>
             <a:fld id="{04DE1D41-4433-4282-8C7E-3DF2C1D9A926}" type="datetimeFigureOut">
               <a:rPr lang="fr-FR" smtClean="0"/>
-              <a:t>26/07/2020</a:t>
+              <a:t>27/07/2020</a:t>
             </a:fld>
             <a:endParaRPr lang="fr-FR"/>
           </a:p>
@@ -3019,7 +3021,7 @@
           <a:p>
             <a:fld id="{04DE1D41-4433-4282-8C7E-3DF2C1D9A926}" type="datetimeFigureOut">
               <a:rPr lang="fr-FR" smtClean="0"/>
-              <a:t>26/07/2020</a:t>
+              <a:t>27/07/2020</a:t>
             </a:fld>
             <a:endParaRPr lang="fr-FR"/>
           </a:p>
@@ -3266,7 +3268,7 @@
           <a:p>
             <a:fld id="{04DE1D41-4433-4282-8C7E-3DF2C1D9A926}" type="datetimeFigureOut">
               <a:rPr lang="fr-FR" smtClean="0"/>
-              <a:t>26/07/2020</a:t>
+              <a:t>27/07/2020</a:t>
             </a:fld>
             <a:endParaRPr lang="fr-FR"/>
           </a:p>
@@ -3498,7 +3500,7 @@
           <a:p>
             <a:fld id="{04DE1D41-4433-4282-8C7E-3DF2C1D9A926}" type="datetimeFigureOut">
               <a:rPr lang="fr-FR" smtClean="0"/>
-              <a:t>26/07/2020</a:t>
+              <a:t>27/07/2020</a:t>
             </a:fld>
             <a:endParaRPr lang="fr-FR"/>
           </a:p>
@@ -3872,7 +3874,7 @@
           <a:p>
             <a:fld id="{04DE1D41-4433-4282-8C7E-3DF2C1D9A926}" type="datetimeFigureOut">
               <a:rPr lang="fr-FR" smtClean="0"/>
-              <a:t>26/07/2020</a:t>
+              <a:t>27/07/2020</a:t>
             </a:fld>
             <a:endParaRPr lang="fr-FR"/>
           </a:p>
@@ -3995,7 +3997,7 @@
           <a:p>
             <a:fld id="{04DE1D41-4433-4282-8C7E-3DF2C1D9A926}" type="datetimeFigureOut">
               <a:rPr lang="fr-FR" smtClean="0"/>
-              <a:t>26/07/2020</a:t>
+              <a:t>27/07/2020</a:t>
             </a:fld>
             <a:endParaRPr lang="fr-FR"/>
           </a:p>
@@ -4090,7 +4092,7 @@
           <a:p>
             <a:fld id="{04DE1D41-4433-4282-8C7E-3DF2C1D9A926}" type="datetimeFigureOut">
               <a:rPr lang="fr-FR" smtClean="0"/>
-              <a:t>26/07/2020</a:t>
+              <a:t>27/07/2020</a:t>
             </a:fld>
             <a:endParaRPr lang="fr-FR"/>
           </a:p>
@@ -4345,7 +4347,7 @@
           <a:p>
             <a:fld id="{04DE1D41-4433-4282-8C7E-3DF2C1D9A926}" type="datetimeFigureOut">
               <a:rPr lang="fr-FR" smtClean="0"/>
-              <a:t>26/07/2020</a:t>
+              <a:t>27/07/2020</a:t>
             </a:fld>
             <a:endParaRPr lang="fr-FR"/>
           </a:p>
@@ -4650,7 +4652,7 @@
           <a:p>
             <a:fld id="{04DE1D41-4433-4282-8C7E-3DF2C1D9A926}" type="datetimeFigureOut">
               <a:rPr lang="fr-FR" smtClean="0"/>
-              <a:t>26/07/2020</a:t>
+              <a:t>27/07/2020</a:t>
             </a:fld>
             <a:endParaRPr lang="fr-FR"/>
           </a:p>
@@ -5352,7 +5354,7 @@
           <a:p>
             <a:fld id="{04DE1D41-4433-4282-8C7E-3DF2C1D9A926}" type="datetimeFigureOut">
               <a:rPr lang="fr-FR" smtClean="0"/>
-              <a:t>26/07/2020</a:t>
+              <a:t>27/07/2020</a:t>
             </a:fld>
             <a:endParaRPr lang="fr-FR"/>
           </a:p>
@@ -8806,35 +8808,6 @@
           </a:p>
         </p:txBody>
       </p:sp>
-      <p:pic>
-        <p:nvPicPr>
-          <p:cNvPr id="2" name="Image 1"/>
-          <p:cNvPicPr>
-            <a:picLocks noChangeAspect="1"/>
-          </p:cNvPicPr>
-          <p:nvPr/>
-        </p:nvPicPr>
-        <p:blipFill rotWithShape="1">
-          <a:blip r:embed="rId2">
-            <a:extLst>
-              <a:ext uri="{28A0092B-C50C-407E-A947-70E740481C1C}">
-                <a14:useLocalDpi xmlns:a14="http://schemas.microsoft.com/office/drawing/2010/main" val="0"/>
-              </a:ext>
-            </a:extLst>
-          </a:blip>
-          <a:srcRect t="9822"/>
-          <a:stretch/>
-        </p:blipFill>
-        <p:spPr>
-          <a:xfrm>
-            <a:off x="0" y="3024410"/>
-            <a:ext cx="6543341" cy="3587758"/>
-          </a:xfrm>
-          <a:prstGeom prst="rect">
-            <a:avLst/>
-          </a:prstGeom>
-        </p:spPr>
-      </p:pic>
       <p:graphicFrame>
         <p:nvGraphicFramePr>
           <p:cNvPr id="3" name="Tableau 2"/>
@@ -8844,14 +8817,14 @@
           <p:nvPr>
             <p:extLst>
               <p:ext uri="{D42A27DB-BD31-4B8C-83A1-F6EECF244321}">
-                <p14:modId xmlns:p14="http://schemas.microsoft.com/office/powerpoint/2010/main" val="568437720"/>
+                <p14:modId xmlns:p14="http://schemas.microsoft.com/office/powerpoint/2010/main" val="1354927070"/>
               </p:ext>
             </p:extLst>
           </p:nvPr>
         </p:nvGraphicFramePr>
         <p:xfrm>
-          <a:off x="6652470" y="-117446"/>
-          <a:ext cx="6049392" cy="4023360"/>
+          <a:off x="1862355" y="2970570"/>
+          <a:ext cx="4161868" cy="2766060"/>
         </p:xfrm>
         <a:graphic>
           <a:graphicData uri="http://schemas.openxmlformats.org/drawingml/2006/table">
@@ -8860,22 +8833,22 @@
                 <a:tableStyleId>{5C22544A-7EE6-4342-B048-85BDC9FD1C3A}</a:tableStyleId>
               </a:tblPr>
               <a:tblGrid>
-                <a:gridCol w="1512348"/>
-                <a:gridCol w="1512348"/>
-                <a:gridCol w="1512348"/>
-                <a:gridCol w="1512348"/>
+                <a:gridCol w="1040467"/>
+                <a:gridCol w="1040467"/>
+                <a:gridCol w="1040467"/>
+                <a:gridCol w="1040467"/>
               </a:tblGrid>
-              <a:tr h="362121">
+              <a:tr h="214170">
                 <a:tc>
                   <a:txBody>
                     <a:bodyPr/>
                     <a:lstStyle/>
                     <a:p>
                       <a:r>
-                        <a:rPr lang="fr-FR" dirty="0" smtClean="0"/>
+                        <a:rPr lang="fr-FR" sz="1050" dirty="0" smtClean="0"/>
                         <a:t>Classifier</a:t>
                       </a:r>
-                      <a:endParaRPr lang="fr-FR" dirty="0"/>
+                      <a:endParaRPr lang="fr-FR" sz="1050" dirty="0"/>
                     </a:p>
                   </a:txBody>
                   <a:tcPr/>
@@ -8886,10 +8859,10 @@
                     <a:lstStyle/>
                     <a:p>
                       <a:r>
-                        <a:rPr lang="fr-FR" dirty="0" smtClean="0"/>
+                        <a:rPr lang="fr-FR" sz="1050" dirty="0" smtClean="0"/>
                         <a:t>Cluster3</a:t>
                       </a:r>
-                      <a:endParaRPr lang="fr-FR" dirty="0"/>
+                      <a:endParaRPr lang="fr-FR" sz="1050" dirty="0"/>
                     </a:p>
                   </a:txBody>
                   <a:tcPr/>
@@ -8900,10 +8873,10 @@
                     <a:lstStyle/>
                     <a:p>
                       <a:r>
-                        <a:rPr lang="fr-FR" dirty="0" smtClean="0"/>
+                        <a:rPr lang="fr-FR" sz="1050" dirty="0" smtClean="0"/>
                         <a:t>Cluster4</a:t>
                       </a:r>
-                      <a:endParaRPr lang="fr-FR" dirty="0"/>
+                      <a:endParaRPr lang="fr-FR" sz="1050" dirty="0"/>
                     </a:p>
                   </a:txBody>
                   <a:tcPr/>
@@ -8914,26 +8887,26 @@
                     <a:lstStyle/>
                     <a:p>
                       <a:r>
-                        <a:rPr lang="fr-FR" dirty="0" smtClean="0"/>
+                        <a:rPr lang="fr-FR" sz="1050" dirty="0" smtClean="0"/>
                         <a:t>Cluster5</a:t>
                       </a:r>
-                      <a:endParaRPr lang="fr-FR" dirty="0"/>
+                      <a:endParaRPr lang="fr-FR" sz="1050" dirty="0"/>
                     </a:p>
                   </a:txBody>
                   <a:tcPr/>
                 </a:tc>
               </a:tr>
-              <a:tr h="362121">
+              <a:tr h="214170">
                 <a:tc>
                   <a:txBody>
                     <a:bodyPr/>
                     <a:lstStyle/>
                     <a:p>
                       <a:r>
-                        <a:rPr lang="fr-FR" dirty="0" err="1" smtClean="0"/>
+                        <a:rPr lang="fr-FR" sz="1050" dirty="0" err="1" smtClean="0"/>
                         <a:t>Tree</a:t>
                       </a:r>
-                      <a:endParaRPr lang="fr-FR" dirty="0"/>
+                      <a:endParaRPr lang="fr-FR" sz="1050" dirty="0"/>
                     </a:p>
                   </a:txBody>
                   <a:tcPr/>
@@ -8944,10 +8917,10 @@
                     <a:lstStyle/>
                     <a:p>
                       <a:r>
-                        <a:rPr lang="fr-FR" dirty="0" smtClean="0"/>
+                        <a:rPr lang="fr-FR" sz="1050" dirty="0" smtClean="0"/>
                         <a:t>0.961(0.051)</a:t>
                       </a:r>
-                      <a:endParaRPr lang="fr-FR" dirty="0"/>
+                      <a:endParaRPr lang="fr-FR" sz="1050" dirty="0"/>
                     </a:p>
                   </a:txBody>
                   <a:tcPr/>
@@ -8958,10 +8931,10 @@
                     <a:lstStyle/>
                     <a:p>
                       <a:r>
-                        <a:rPr lang="fr-FR" dirty="0" smtClean="0"/>
+                        <a:rPr lang="fr-FR" sz="1050" dirty="0" smtClean="0"/>
                         <a:t>0.961(0.051)</a:t>
                       </a:r>
-                      <a:endParaRPr lang="fr-FR" dirty="0"/>
+                      <a:endParaRPr lang="fr-FR" sz="1050" dirty="0"/>
                     </a:p>
                   </a:txBody>
                   <a:tcPr/>
@@ -8972,26 +8945,26 @@
                     <a:lstStyle/>
                     <a:p>
                       <a:r>
-                        <a:rPr lang="fr-FR" dirty="0" smtClean="0"/>
+                        <a:rPr lang="fr-FR" sz="1050" dirty="0" smtClean="0"/>
                         <a:t>0.991(0.051)</a:t>
                       </a:r>
-                      <a:endParaRPr lang="fr-FR" dirty="0"/>
+                      <a:endParaRPr lang="fr-FR" sz="1050" dirty="0"/>
                     </a:p>
                   </a:txBody>
                   <a:tcPr/>
                 </a:tc>
               </a:tr>
-              <a:tr h="362121">
+              <a:tr h="214170">
                 <a:tc>
                   <a:txBody>
                     <a:bodyPr/>
                     <a:lstStyle/>
                     <a:p>
                       <a:r>
-                        <a:rPr lang="fr-FR" dirty="0" smtClean="0"/>
+                        <a:rPr lang="fr-FR" sz="1050" dirty="0" smtClean="0"/>
                         <a:t>GBC</a:t>
                       </a:r>
-                      <a:endParaRPr lang="fr-FR" dirty="0"/>
+                      <a:endParaRPr lang="fr-FR" sz="1050" dirty="0"/>
                     </a:p>
                   </a:txBody>
                   <a:tcPr/>
@@ -9002,10 +8975,10 @@
                     <a:lstStyle/>
                     <a:p>
                       <a:r>
-                        <a:rPr lang="fr-FR" dirty="0" smtClean="0"/>
+                        <a:rPr lang="fr-FR" sz="1050" dirty="0" smtClean="0"/>
                         <a:t>0.957(0.026)</a:t>
                       </a:r>
-                      <a:endParaRPr lang="fr-FR" dirty="0"/>
+                      <a:endParaRPr lang="fr-FR" sz="1050" dirty="0"/>
                     </a:p>
                   </a:txBody>
                   <a:tcPr/>
@@ -9016,10 +8989,10 @@
                     <a:lstStyle/>
                     <a:p>
                       <a:r>
-                        <a:rPr lang="fr-FR" dirty="0" smtClean="0"/>
+                        <a:rPr lang="fr-FR" sz="1050" dirty="0" smtClean="0"/>
                         <a:t>0.961(0.051)</a:t>
                       </a:r>
-                      <a:endParaRPr lang="fr-FR" dirty="0"/>
+                      <a:endParaRPr lang="fr-FR" sz="1050" dirty="0"/>
                     </a:p>
                   </a:txBody>
                   <a:tcPr/>
@@ -9030,26 +9003,26 @@
                     <a:lstStyle/>
                     <a:p>
                       <a:r>
-                        <a:rPr lang="fr-FR" dirty="0" smtClean="0"/>
+                        <a:rPr lang="fr-FR" sz="1050" dirty="0" smtClean="0"/>
                         <a:t>0.991(0.051)</a:t>
                       </a:r>
-                      <a:endParaRPr lang="fr-FR" dirty="0"/>
+                      <a:endParaRPr lang="fr-FR" sz="1050" dirty="0"/>
                     </a:p>
                   </a:txBody>
                   <a:tcPr/>
                 </a:tc>
               </a:tr>
-              <a:tr h="362121">
+              <a:tr h="214170">
                 <a:tc>
                   <a:txBody>
                     <a:bodyPr/>
                     <a:lstStyle/>
                     <a:p>
                       <a:r>
-                        <a:rPr lang="fr-FR" dirty="0" err="1" smtClean="0"/>
+                        <a:rPr lang="fr-FR" sz="1050" dirty="0" err="1" smtClean="0"/>
                         <a:t>RandForest</a:t>
                       </a:r>
-                      <a:endParaRPr lang="fr-FR" dirty="0"/>
+                      <a:endParaRPr lang="fr-FR" sz="1050" dirty="0"/>
                     </a:p>
                   </a:txBody>
                   <a:tcPr/>
@@ -9060,10 +9033,10 @@
                     <a:lstStyle/>
                     <a:p>
                       <a:r>
-                        <a:rPr lang="fr-FR" dirty="0" smtClean="0"/>
+                        <a:rPr lang="fr-FR" sz="1050" dirty="0" smtClean="0"/>
                         <a:t>0.957(0.026)</a:t>
                       </a:r>
-                      <a:endParaRPr lang="fr-FR" dirty="0"/>
+                      <a:endParaRPr lang="fr-FR" sz="1050" dirty="0"/>
                     </a:p>
                   </a:txBody>
                   <a:tcPr/>
@@ -9074,10 +9047,10 @@
                     <a:lstStyle/>
                     <a:p>
                       <a:r>
-                        <a:rPr lang="fr-FR" dirty="0" smtClean="0"/>
+                        <a:rPr lang="fr-FR" sz="1050" dirty="0" smtClean="0"/>
                         <a:t>0.966(0.035)</a:t>
                       </a:r>
-                      <a:endParaRPr lang="fr-FR" dirty="0"/>
+                      <a:endParaRPr lang="fr-FR" sz="1050" dirty="0"/>
                     </a:p>
                   </a:txBody>
                   <a:tcPr/>
@@ -9088,26 +9061,26 @@
                     <a:lstStyle/>
                     <a:p>
                       <a:r>
-                        <a:rPr lang="fr-FR" dirty="0" smtClean="0"/>
+                        <a:rPr lang="fr-FR" sz="1050" dirty="0" smtClean="0"/>
                         <a:t>0.996(0.022)</a:t>
                       </a:r>
-                      <a:endParaRPr lang="fr-FR" dirty="0"/>
+                      <a:endParaRPr lang="fr-FR" sz="1050" dirty="0"/>
                     </a:p>
                   </a:txBody>
                   <a:tcPr/>
                 </a:tc>
               </a:tr>
-              <a:tr h="362121">
+              <a:tr h="214170">
                 <a:tc>
                   <a:txBody>
                     <a:bodyPr/>
                     <a:lstStyle/>
                     <a:p>
                       <a:r>
-                        <a:rPr lang="fr-FR" dirty="0" err="1" smtClean="0"/>
+                        <a:rPr lang="fr-FR" sz="1050" dirty="0" err="1" smtClean="0"/>
                         <a:t>AdaBoost</a:t>
                       </a:r>
-                      <a:endParaRPr lang="fr-FR" dirty="0"/>
+                      <a:endParaRPr lang="fr-FR" sz="1050" dirty="0"/>
                     </a:p>
                   </a:txBody>
                   <a:tcPr/>
@@ -9118,10 +9091,10 @@
                     <a:lstStyle/>
                     <a:p>
                       <a:r>
-                        <a:rPr lang="fr-FR" dirty="0" smtClean="0"/>
+                        <a:rPr lang="fr-FR" sz="1050" dirty="0" smtClean="0"/>
                         <a:t>0.367(0.000)</a:t>
                       </a:r>
-                      <a:endParaRPr lang="fr-FR" dirty="0"/>
+                      <a:endParaRPr lang="fr-FR" sz="1050" dirty="0"/>
                     </a:p>
                   </a:txBody>
                   <a:tcPr/>
@@ -9132,10 +9105,10 @@
                     <a:lstStyle/>
                     <a:p>
                       <a:r>
-                        <a:rPr lang="fr-FR" dirty="0" smtClean="0"/>
+                        <a:rPr lang="fr-FR" sz="1050" dirty="0" smtClean="0"/>
                         <a:t>0.374(0.006)</a:t>
                       </a:r>
-                      <a:endParaRPr lang="fr-FR" dirty="0"/>
+                      <a:endParaRPr lang="fr-FR" sz="1050" dirty="0"/>
                     </a:p>
                   </a:txBody>
                   <a:tcPr/>
@@ -9146,26 +9119,26 @@
                     <a:lstStyle/>
                     <a:p>
                       <a:r>
-                        <a:rPr lang="fr-FR" dirty="0" smtClean="0"/>
+                        <a:rPr lang="fr-FR" sz="1050" dirty="0" smtClean="0"/>
                         <a:t>0.558(0.135)</a:t>
                       </a:r>
-                      <a:endParaRPr lang="fr-FR" dirty="0"/>
+                      <a:endParaRPr lang="fr-FR" sz="1050" dirty="0"/>
                     </a:p>
                   </a:txBody>
                   <a:tcPr/>
                 </a:tc>
               </a:tr>
-              <a:tr h="362121">
+              <a:tr h="214170">
                 <a:tc>
                   <a:txBody>
                     <a:bodyPr/>
                     <a:lstStyle/>
                     <a:p>
                       <a:r>
-                        <a:rPr lang="fr-FR" dirty="0" err="1" smtClean="0"/>
+                        <a:rPr lang="fr-FR" sz="1050" dirty="0" err="1" smtClean="0"/>
                         <a:t>NeuralNet</a:t>
                       </a:r>
-                      <a:endParaRPr lang="fr-FR" dirty="0"/>
+                      <a:endParaRPr lang="fr-FR" sz="1050" dirty="0"/>
                     </a:p>
                   </a:txBody>
                   <a:tcPr/>
@@ -9176,10 +9149,10 @@
                     <a:lstStyle/>
                     <a:p>
                       <a:r>
-                        <a:rPr lang="fr-FR" dirty="0" smtClean="0"/>
+                        <a:rPr lang="fr-FR" sz="1050" dirty="0" smtClean="0"/>
                         <a:t>0.934(0.014)</a:t>
                       </a:r>
-                      <a:endParaRPr lang="fr-FR" dirty="0"/>
+                      <a:endParaRPr lang="fr-FR" sz="1050" dirty="0"/>
                     </a:p>
                   </a:txBody>
                   <a:tcPr/>
@@ -9190,10 +9163,10 @@
                     <a:lstStyle/>
                     <a:p>
                       <a:r>
-                        <a:rPr lang="fr-FR" dirty="0" smtClean="0"/>
+                        <a:rPr lang="fr-FR" sz="1050" dirty="0" smtClean="0"/>
                         <a:t>0.947(0.037)</a:t>
                       </a:r>
-                      <a:endParaRPr lang="fr-FR" dirty="0"/>
+                      <a:endParaRPr lang="fr-FR" sz="1050" dirty="0"/>
                     </a:p>
                   </a:txBody>
                   <a:tcPr/>
@@ -9204,26 +9177,26 @@
                     <a:lstStyle/>
                     <a:p>
                       <a:r>
-                        <a:rPr lang="fr-FR" dirty="0" smtClean="0"/>
+                        <a:rPr lang="fr-FR" sz="1050" dirty="0" smtClean="0"/>
                         <a:t>0.999(0.007)</a:t>
                       </a:r>
-                      <a:endParaRPr lang="fr-FR" dirty="0"/>
+                      <a:endParaRPr lang="fr-FR" sz="1050" dirty="0"/>
                     </a:p>
                   </a:txBody>
                   <a:tcPr/>
                 </a:tc>
               </a:tr>
-              <a:tr h="362121">
+              <a:tr h="214170">
                 <a:tc>
                   <a:txBody>
                     <a:bodyPr/>
                     <a:lstStyle/>
                     <a:p>
                       <a:r>
-                        <a:rPr lang="fr-FR" dirty="0" err="1" smtClean="0"/>
+                        <a:rPr lang="fr-FR" sz="1050" dirty="0" err="1" smtClean="0"/>
                         <a:t>Kneighbors</a:t>
                       </a:r>
-                      <a:endParaRPr lang="fr-FR" dirty="0"/>
+                      <a:endParaRPr lang="fr-FR" sz="1050" dirty="0"/>
                     </a:p>
                   </a:txBody>
                   <a:tcPr/>
@@ -9234,10 +9207,10 @@
                     <a:lstStyle/>
                     <a:p>
                       <a:r>
-                        <a:rPr lang="fr-FR" dirty="0" smtClean="0"/>
+                        <a:rPr lang="fr-FR" sz="1050" dirty="0" smtClean="0"/>
                         <a:t>0.955(0.017)</a:t>
                       </a:r>
-                      <a:endParaRPr lang="fr-FR" dirty="0"/>
+                      <a:endParaRPr lang="fr-FR" sz="1050" dirty="0"/>
                     </a:p>
                   </a:txBody>
                   <a:tcPr/>
@@ -9248,10 +9221,10 @@
                     <a:lstStyle/>
                     <a:p>
                       <a:r>
-                        <a:rPr lang="fr-FR" dirty="0" smtClean="0"/>
+                        <a:rPr lang="fr-FR" sz="1050" dirty="0" smtClean="0"/>
                         <a:t>0.960(0.042)</a:t>
                       </a:r>
-                      <a:endParaRPr lang="fr-FR" dirty="0"/>
+                      <a:endParaRPr lang="fr-FR" sz="1050" dirty="0"/>
                     </a:p>
                   </a:txBody>
                   <a:tcPr/>
@@ -9262,26 +9235,26 @@
                     <a:lstStyle/>
                     <a:p>
                       <a:r>
-                        <a:rPr lang="fr-FR" dirty="0" smtClean="0"/>
+                        <a:rPr lang="fr-FR" sz="1050" dirty="0" smtClean="0"/>
                         <a:t>0.999(0.007)</a:t>
                       </a:r>
-                      <a:endParaRPr lang="fr-FR" dirty="0"/>
+                      <a:endParaRPr lang="fr-FR" sz="1050" dirty="0"/>
                     </a:p>
                   </a:txBody>
                   <a:tcPr/>
                 </a:tc>
               </a:tr>
-              <a:tr h="362121">
+              <a:tr h="214170">
                 <a:tc>
                   <a:txBody>
                     <a:bodyPr/>
                     <a:lstStyle/>
                     <a:p>
                       <a:r>
-                        <a:rPr lang="fr-FR" dirty="0" err="1" smtClean="0"/>
+                        <a:rPr lang="fr-FR" sz="1050" dirty="0" err="1" smtClean="0"/>
                         <a:t>NaiveBayes</a:t>
                       </a:r>
-                      <a:endParaRPr lang="fr-FR" dirty="0"/>
+                      <a:endParaRPr lang="fr-FR" sz="1050" dirty="0"/>
                     </a:p>
                   </a:txBody>
                   <a:tcPr/>
@@ -9292,10 +9265,10 @@
                     <a:lstStyle/>
                     <a:p>
                       <a:r>
-                        <a:rPr lang="fr-FR" dirty="0" smtClean="0"/>
+                        <a:rPr lang="fr-FR" sz="1050" dirty="0" smtClean="0"/>
                         <a:t>0.856(0.022)</a:t>
                       </a:r>
-                      <a:endParaRPr lang="fr-FR" dirty="0"/>
+                      <a:endParaRPr lang="fr-FR" sz="1050" dirty="0"/>
                     </a:p>
                   </a:txBody>
                   <a:tcPr/>
@@ -9306,10 +9279,10 @@
                     <a:lstStyle/>
                     <a:p>
                       <a:r>
-                        <a:rPr lang="fr-FR" dirty="0" smtClean="0"/>
+                        <a:rPr lang="fr-FR" sz="1050" dirty="0" smtClean="0"/>
                         <a:t>0.852(0.029)</a:t>
                       </a:r>
-                      <a:endParaRPr lang="fr-FR" dirty="0"/>
+                      <a:endParaRPr lang="fr-FR" sz="1050" dirty="0"/>
                     </a:p>
                   </a:txBody>
                   <a:tcPr/>
@@ -9320,26 +9293,26 @@
                     <a:lstStyle/>
                     <a:p>
                       <a:r>
-                        <a:rPr lang="fr-FR" dirty="0" smtClean="0"/>
+                        <a:rPr lang="fr-FR" sz="1050" dirty="0" smtClean="0"/>
                         <a:t>0.827(0.000)</a:t>
                       </a:r>
-                      <a:endParaRPr lang="fr-FR" dirty="0"/>
+                      <a:endParaRPr lang="fr-FR" sz="1050" dirty="0"/>
                     </a:p>
                   </a:txBody>
                   <a:tcPr/>
                 </a:tc>
               </a:tr>
-              <a:tr h="362121">
+              <a:tr h="214170">
                 <a:tc>
                   <a:txBody>
                     <a:bodyPr/>
                     <a:lstStyle/>
                     <a:p>
                       <a:r>
-                        <a:rPr lang="fr-FR" dirty="0" err="1" smtClean="0"/>
+                        <a:rPr lang="fr-FR" sz="1050" dirty="0" err="1" smtClean="0"/>
                         <a:t>LinearsSVC</a:t>
                       </a:r>
-                      <a:endParaRPr lang="fr-FR" dirty="0"/>
+                      <a:endParaRPr lang="fr-FR" sz="1050" dirty="0"/>
                     </a:p>
                   </a:txBody>
                   <a:tcPr/>
@@ -9350,10 +9323,10 @@
                     <a:lstStyle/>
                     <a:p>
                       <a:r>
-                        <a:rPr lang="fr-FR" dirty="0" smtClean="0"/>
+                        <a:rPr lang="fr-FR" sz="1050" dirty="0" smtClean="0"/>
                         <a:t>0.899(0.019)</a:t>
                       </a:r>
-                      <a:endParaRPr lang="fr-FR" dirty="0"/>
+                      <a:endParaRPr lang="fr-FR" sz="1050" dirty="0"/>
                     </a:p>
                   </a:txBody>
                   <a:tcPr/>
@@ -9364,10 +9337,10 @@
                     <a:lstStyle/>
                     <a:p>
                       <a:r>
-                        <a:rPr lang="fr-FR" dirty="0" smtClean="0"/>
+                        <a:rPr lang="fr-FR" sz="1050" dirty="0" smtClean="0"/>
                         <a:t>0.852(0.029)</a:t>
                       </a:r>
-                      <a:endParaRPr lang="fr-FR" dirty="0"/>
+                      <a:endParaRPr lang="fr-FR" sz="1050" dirty="0"/>
                     </a:p>
                   </a:txBody>
                   <a:tcPr/>
@@ -9378,26 +9351,26 @@
                     <a:lstStyle/>
                     <a:p>
                       <a:r>
-                        <a:rPr lang="fr-FR" dirty="0" smtClean="0"/>
+                        <a:rPr lang="fr-FR" sz="1050" dirty="0" smtClean="0"/>
                         <a:t>0.827(0.000)</a:t>
                       </a:r>
-                      <a:endParaRPr lang="fr-FR" dirty="0"/>
+                      <a:endParaRPr lang="fr-FR" sz="1050" dirty="0"/>
                     </a:p>
                   </a:txBody>
                   <a:tcPr/>
                 </a:tc>
               </a:tr>
-              <a:tr h="362121">
+              <a:tr h="214170">
                 <a:tc>
                   <a:txBody>
                     <a:bodyPr/>
                     <a:lstStyle/>
                     <a:p>
                       <a:r>
-                        <a:rPr lang="fr-FR" dirty="0" err="1" smtClean="0"/>
+                        <a:rPr lang="fr-FR" sz="1050" dirty="0" err="1" smtClean="0"/>
                         <a:t>LogReg</a:t>
                       </a:r>
-                      <a:endParaRPr lang="fr-FR" dirty="0"/>
+                      <a:endParaRPr lang="fr-FR" sz="1050" dirty="0"/>
                     </a:p>
                   </a:txBody>
                   <a:tcPr/>
@@ -9408,10 +9381,10 @@
                     <a:lstStyle/>
                     <a:p>
                       <a:r>
-                        <a:rPr lang="fr-FR" dirty="0" smtClean="0"/>
+                        <a:rPr lang="fr-FR" sz="1050" dirty="0" smtClean="0"/>
                         <a:t>0.899(0.019)</a:t>
                       </a:r>
-                      <a:endParaRPr lang="fr-FR" dirty="0"/>
+                      <a:endParaRPr lang="fr-FR" sz="1050" dirty="0"/>
                     </a:p>
                   </a:txBody>
                   <a:tcPr/>
@@ -9422,10 +9395,10 @@
                     <a:lstStyle/>
                     <a:p>
                       <a:r>
-                        <a:rPr lang="fr-FR" dirty="0" smtClean="0"/>
+                        <a:rPr lang="fr-FR" sz="1050" dirty="0" smtClean="0"/>
                         <a:t>0.852(0.029)</a:t>
                       </a:r>
-                      <a:endParaRPr lang="fr-FR" dirty="0"/>
+                      <a:endParaRPr lang="fr-FR" sz="1050" dirty="0"/>
                     </a:p>
                   </a:txBody>
                   <a:tcPr/>
@@ -9436,26 +9409,26 @@
                     <a:lstStyle/>
                     <a:p>
                       <a:r>
-                        <a:rPr lang="fr-FR" dirty="0" smtClean="0"/>
+                        <a:rPr lang="fr-FR" sz="1050" dirty="0" smtClean="0"/>
                         <a:t>0.827(0.000)</a:t>
                       </a:r>
-                      <a:endParaRPr lang="fr-FR" dirty="0"/>
+                      <a:endParaRPr lang="fr-FR" sz="1050" dirty="0"/>
                     </a:p>
                   </a:txBody>
                   <a:tcPr/>
                 </a:tc>
               </a:tr>
-              <a:tr h="362121">
+              <a:tr h="214170">
                 <a:tc>
                   <a:txBody>
                     <a:bodyPr/>
                     <a:lstStyle/>
                     <a:p>
                       <a:r>
-                        <a:rPr lang="fr-FR" dirty="0" err="1" smtClean="0"/>
+                        <a:rPr lang="fr-FR" sz="1050" dirty="0" err="1" smtClean="0"/>
                         <a:t>Dummy</a:t>
                       </a:r>
-                      <a:endParaRPr lang="fr-FR" dirty="0"/>
+                      <a:endParaRPr lang="fr-FR" sz="1050" dirty="0"/>
                     </a:p>
                   </a:txBody>
                   <a:tcPr/>
@@ -9466,10 +9439,10 @@
                     <a:lstStyle/>
                     <a:p>
                       <a:r>
-                        <a:rPr lang="fr-FR" dirty="0" smtClean="0"/>
+                        <a:rPr lang="fr-FR" sz="1050" dirty="0" smtClean="0"/>
                         <a:t>0.112(0.045)</a:t>
                       </a:r>
-                      <a:endParaRPr lang="fr-FR" dirty="0"/>
+                      <a:endParaRPr lang="fr-FR" sz="1050" dirty="0"/>
                     </a:p>
                   </a:txBody>
                   <a:tcPr/>
@@ -9480,10 +9453,10 @@
                     <a:lstStyle/>
                     <a:p>
                       <a:r>
-                        <a:rPr lang="fr-FR" dirty="0" smtClean="0"/>
+                        <a:rPr lang="fr-FR" sz="1050" dirty="0" smtClean="0"/>
                         <a:t>0.117(0.052)</a:t>
                       </a:r>
-                      <a:endParaRPr lang="fr-FR" dirty="0"/>
+                      <a:endParaRPr lang="fr-FR" sz="1050" dirty="0"/>
                     </a:p>
                   </a:txBody>
                   <a:tcPr/>
@@ -9494,10 +9467,10 @@
                     <a:lstStyle/>
                     <a:p>
                       <a:r>
-                        <a:rPr lang="fr-FR" smtClean="0"/>
+                        <a:rPr lang="fr-FR" sz="1050" dirty="0" smtClean="0"/>
                         <a:t>0.156(0.066)</a:t>
                       </a:r>
-                      <a:endParaRPr lang="fr-FR" dirty="0"/>
+                      <a:endParaRPr lang="fr-FR" sz="1050" dirty="0"/>
                     </a:p>
                   </a:txBody>
                   <a:tcPr/>
@@ -9507,6 +9480,100 @@
           </a:graphicData>
         </a:graphic>
       </p:graphicFrame>
+      <p:sp>
+        <p:nvSpPr>
+          <p:cNvPr id="6" name="ZoneTexte 5"/>
+          <p:cNvSpPr txBox="1"/>
+          <p:nvPr/>
+        </p:nvSpPr>
+        <p:spPr>
+          <a:xfrm>
+            <a:off x="1015068" y="6140746"/>
+            <a:ext cx="6543413" cy="261610"/>
+          </a:xfrm>
+          <a:prstGeom prst="rect">
+            <a:avLst/>
+          </a:prstGeom>
+          <a:noFill/>
+        </p:spPr>
+        <p:txBody>
+          <a:bodyPr wrap="square" rtlCol="0">
+            <a:spAutoFit/>
+          </a:bodyPr>
+          <a:lstStyle/>
+          <a:p>
+            <a:r>
+              <a:rPr lang="fr-FR" sz="1100" dirty="0" smtClean="0"/>
+              <a:t>F1 Score (</a:t>
+            </a:r>
+            <a:r>
+              <a:rPr lang="fr-FR" sz="1100" dirty="0" err="1" smtClean="0"/>
+              <a:t>Weighted</a:t>
+            </a:r>
+            <a:r>
+              <a:rPr lang="fr-FR" sz="1100" dirty="0" smtClean="0"/>
+              <a:t> </a:t>
+            </a:r>
+            <a:r>
+              <a:rPr lang="fr-FR" sz="1100" dirty="0" err="1" smtClean="0"/>
+              <a:t>average</a:t>
+            </a:r>
+            <a:r>
+              <a:rPr lang="fr-FR" sz="1100" dirty="0" smtClean="0"/>
+              <a:t> of </a:t>
+            </a:r>
+            <a:r>
+              <a:rPr lang="fr-FR" sz="1100" dirty="0" err="1" smtClean="0"/>
+              <a:t>precision</a:t>
+            </a:r>
+            <a:r>
+              <a:rPr lang="fr-FR" sz="1100" dirty="0" smtClean="0"/>
+              <a:t> and </a:t>
+            </a:r>
+            <a:r>
+              <a:rPr lang="fr-FR" sz="1100" dirty="0" err="1" smtClean="0"/>
+              <a:t>recall</a:t>
+            </a:r>
+            <a:r>
+              <a:rPr lang="fr-FR" sz="1100" dirty="0" smtClean="0"/>
+              <a:t>) for </a:t>
+            </a:r>
+            <a:r>
+              <a:rPr lang="fr-FR" sz="1100" dirty="0" err="1" smtClean="0"/>
+              <a:t>models</a:t>
+            </a:r>
+            <a:r>
+              <a:rPr lang="fr-FR" sz="1100" dirty="0" smtClean="0"/>
+              <a:t> </a:t>
+            </a:r>
+            <a:r>
+              <a:rPr lang="fr-FR" sz="1100" dirty="0" err="1" smtClean="0"/>
+              <a:t>learned</a:t>
+            </a:r>
+            <a:r>
+              <a:rPr lang="fr-FR" sz="1100" dirty="0" smtClean="0"/>
+              <a:t> </a:t>
+            </a:r>
+            <a:r>
+              <a:rPr lang="fr-FR" sz="1100" dirty="0" err="1" smtClean="0"/>
+              <a:t>from</a:t>
+            </a:r>
+            <a:r>
+              <a:rPr lang="fr-FR" sz="1100" dirty="0" smtClean="0"/>
+              <a:t> </a:t>
+            </a:r>
+            <a:r>
+              <a:rPr lang="fr-FR" sz="1100" dirty="0" err="1" smtClean="0"/>
+              <a:t>customer</a:t>
+            </a:r>
+            <a:r>
+              <a:rPr lang="fr-FR" sz="1100" dirty="0" smtClean="0"/>
+              <a:t> clusters 3-5</a:t>
+            </a:r>
+            <a:endParaRPr lang="fr-FR" sz="1100" dirty="0"/>
+          </a:p>
+        </p:txBody>
+      </p:sp>
     </p:spTree>
     <p:extLst>
       <p:ext uri="{BB962C8B-B14F-4D97-AF65-F5344CB8AC3E}">
@@ -11274,36 +11341,276 @@
           </a:p>
         </p:txBody>
       </p:sp>
-      <p:pic>
-        <p:nvPicPr>
-          <p:cNvPr id="14" name="Image 13"/>
-          <p:cNvPicPr>
-            <a:picLocks noChangeAspect="1"/>
-          </p:cNvPicPr>
+      <p:sp>
+        <p:nvSpPr>
+          <p:cNvPr id="3" name="ZoneTexte 2"/>
+          <p:cNvSpPr txBox="1"/>
           <p:nvPr/>
-        </p:nvPicPr>
-        <p:blipFill>
-          <a:blip r:embed="rId2">
-            <a:extLst>
-              <a:ext uri="{28A0092B-C50C-407E-A947-70E740481C1C}">
-                <a14:useLocalDpi xmlns:a14="http://schemas.microsoft.com/office/drawing/2010/main" val="0"/>
-              </a:ext>
-            </a:extLst>
-          </a:blip>
-          <a:stretch>
-            <a:fillRect/>
-          </a:stretch>
-        </p:blipFill>
+        </p:nvSpPr>
         <p:spPr>
           <a:xfrm>
-            <a:off x="354581" y="1581356"/>
-            <a:ext cx="5923867" cy="4053741"/>
+            <a:off x="553674" y="1593908"/>
+            <a:ext cx="5134061" cy="3970318"/>
           </a:xfrm>
           <a:prstGeom prst="rect">
             <a:avLst/>
           </a:prstGeom>
+          <a:noFill/>
         </p:spPr>
-      </p:pic>
+        <p:txBody>
+          <a:bodyPr wrap="square" rtlCol="0">
+            <a:spAutoFit/>
+          </a:bodyPr>
+          <a:lstStyle/>
+          <a:p>
+            <a:r>
+              <a:rPr lang="fr-FR" sz="1400" dirty="0" smtClean="0"/>
+              <a:t>21.90% u…..</a:t>
+            </a:r>
+            <a:r>
+              <a:rPr lang="fr-FR" sz="1400" dirty="0" err="1" smtClean="0"/>
+              <a:t>tap</a:t>
+            </a:r>
+            <a:endParaRPr lang="fr-FR" sz="1400" dirty="0" smtClean="0"/>
+          </a:p>
+          <a:p>
+            <a:r>
+              <a:rPr lang="fr-FR" sz="1400" dirty="0" smtClean="0"/>
+              <a:t>16.52% u…….</a:t>
+            </a:r>
+            <a:r>
+              <a:rPr lang="fr-FR" sz="1400" dirty="0" err="1" smtClean="0"/>
+              <a:t>tap</a:t>
+            </a:r>
+            <a:endParaRPr lang="fr-FR" sz="1400" dirty="0" smtClean="0"/>
+          </a:p>
+          <a:p>
+            <a:r>
+              <a:rPr lang="fr-FR" sz="1400" dirty="0" smtClean="0"/>
+              <a:t>10.61% u…….</a:t>
+            </a:r>
+            <a:r>
+              <a:rPr lang="fr-FR" sz="1400" dirty="0" err="1" smtClean="0"/>
+              <a:t>tao+cp</a:t>
+            </a:r>
+            <a:endParaRPr lang="fr-FR" sz="1400" dirty="0" smtClean="0"/>
+          </a:p>
+          <a:p>
+            <a:r>
+              <a:rPr lang="fr-FR" sz="1400" dirty="0" smtClean="0"/>
+              <a:t>10.07% u…..</a:t>
+            </a:r>
+            <a:r>
+              <a:rPr lang="fr-FR" sz="1400" dirty="0" err="1" smtClean="0"/>
+              <a:t>tao+cp</a:t>
+            </a:r>
+            <a:endParaRPr lang="fr-FR" sz="1400" dirty="0" smtClean="0"/>
+          </a:p>
+          <a:p>
+            <a:r>
+              <a:rPr lang="fr-FR" sz="1400" dirty="0" smtClean="0"/>
+              <a:t>05.23% u………….</a:t>
+            </a:r>
+            <a:r>
+              <a:rPr lang="fr-FR" sz="1400" dirty="0" err="1" smtClean="0"/>
+              <a:t>tao+cp</a:t>
+            </a:r>
+            <a:endParaRPr lang="fr-FR" sz="1400" dirty="0" smtClean="0"/>
+          </a:p>
+          <a:p>
+            <a:r>
+              <a:rPr lang="fr-FR" sz="1400" dirty="0" smtClean="0"/>
+              <a:t>03.72% u………….</a:t>
+            </a:r>
+            <a:r>
+              <a:rPr lang="fr-FR" sz="1400" dirty="0" err="1" smtClean="0"/>
+              <a:t>tap</a:t>
+            </a:r>
+            <a:endParaRPr lang="fr-FR" sz="1400" dirty="0" smtClean="0"/>
+          </a:p>
+          <a:p>
+            <a:r>
+              <a:rPr lang="fr-FR" sz="1400" dirty="0" smtClean="0"/>
+              <a:t>03.40% u…….tao++</a:t>
+            </a:r>
+            <a:r>
+              <a:rPr lang="fr-FR" sz="1400" dirty="0" err="1" smtClean="0"/>
+              <a:t>cp</a:t>
+            </a:r>
+            <a:endParaRPr lang="fr-FR" sz="1400" dirty="0" smtClean="0"/>
+          </a:p>
+          <a:p>
+            <a:r>
+              <a:rPr lang="fr-FR" sz="1400" dirty="0" smtClean="0"/>
+              <a:t>02.56% u…………tao++</a:t>
+            </a:r>
+            <a:r>
+              <a:rPr lang="fr-FR" sz="1400" dirty="0" err="1" smtClean="0"/>
+              <a:t>cp</a:t>
+            </a:r>
+            <a:endParaRPr lang="fr-FR" sz="1400" dirty="0" smtClean="0"/>
+          </a:p>
+          <a:p>
+            <a:r>
+              <a:rPr lang="fr-FR" sz="1400" dirty="0" smtClean="0"/>
+              <a:t>02.11% u…….t…</a:t>
+            </a:r>
+            <a:r>
+              <a:rPr lang="fr-FR" sz="1400" dirty="0" err="1" smtClean="0"/>
+              <a:t>tap</a:t>
+            </a:r>
+            <a:endParaRPr lang="fr-FR" sz="1400" dirty="0" smtClean="0"/>
+          </a:p>
+          <a:p>
+            <a:r>
+              <a:rPr lang="fr-FR" sz="1400" dirty="0" smtClean="0"/>
+              <a:t>01.61% u…..tao++</a:t>
+            </a:r>
+            <a:r>
+              <a:rPr lang="fr-FR" sz="1400" dirty="0" err="1" smtClean="0"/>
+              <a:t>cp</a:t>
+            </a:r>
+            <a:endParaRPr lang="fr-FR" sz="1400" dirty="0" smtClean="0"/>
+          </a:p>
+          <a:p>
+            <a:r>
+              <a:rPr lang="fr-FR" sz="1400" dirty="0" smtClean="0"/>
+              <a:t>01.53% u………….</a:t>
+            </a:r>
+            <a:r>
+              <a:rPr lang="fr-FR" sz="1400" dirty="0" err="1" smtClean="0"/>
+              <a:t>t.tap</a:t>
+            </a:r>
+            <a:endParaRPr lang="fr-FR" sz="1400" dirty="0" smtClean="0"/>
+          </a:p>
+          <a:p>
+            <a:r>
+              <a:rPr lang="fr-FR" sz="1400" dirty="0" smtClean="0"/>
+              <a:t>01.25% u….</a:t>
+            </a:r>
+            <a:r>
+              <a:rPr lang="fr-FR" sz="1400" dirty="0" err="1" smtClean="0"/>
+              <a:t>tap</a:t>
+            </a:r>
+            <a:endParaRPr lang="fr-FR" sz="1400" dirty="0" smtClean="0"/>
+          </a:p>
+          <a:p>
+            <a:r>
+              <a:rPr lang="fr-FR" sz="1400" dirty="0" smtClean="0"/>
+              <a:t>01.06% u…………</a:t>
+            </a:r>
+            <a:r>
+              <a:rPr lang="fr-FR" sz="1400" dirty="0" err="1" smtClean="0"/>
+              <a:t>ttao+cp</a:t>
+            </a:r>
+            <a:endParaRPr lang="fr-FR" sz="1400" dirty="0" smtClean="0"/>
+          </a:p>
+          <a:p>
+            <a:r>
+              <a:rPr lang="fr-FR" sz="1400" dirty="0" smtClean="0"/>
+              <a:t>82.57% of total </a:t>
+            </a:r>
+            <a:r>
+              <a:rPr lang="fr-FR" sz="1400" dirty="0" err="1" smtClean="0"/>
+              <a:t>behavior</a:t>
+            </a:r>
+            <a:r>
+              <a:rPr lang="fr-FR" sz="1400" dirty="0" smtClean="0"/>
+              <a:t> </a:t>
+            </a:r>
+            <a:r>
+              <a:rPr lang="fr-FR" sz="1400" dirty="0" err="1" smtClean="0"/>
+              <a:t>covered</a:t>
+            </a:r>
+            <a:endParaRPr lang="fr-FR" sz="1400" dirty="0" smtClean="0"/>
+          </a:p>
+          <a:p>
+            <a:r>
+              <a:rPr lang="fr-FR" sz="1400" dirty="0" err="1" smtClean="0"/>
+              <a:t>Systematic</a:t>
+            </a:r>
+            <a:r>
+              <a:rPr lang="fr-FR" sz="1400" dirty="0" smtClean="0"/>
+              <a:t> test suite </a:t>
+            </a:r>
+            <a:r>
+              <a:rPr lang="fr-FR" sz="1400" dirty="0" err="1" smtClean="0"/>
+              <a:t>generated</a:t>
+            </a:r>
+            <a:r>
+              <a:rPr lang="fr-FR" sz="1400" dirty="0" smtClean="0"/>
+              <a:t> </a:t>
+            </a:r>
+            <a:r>
+              <a:rPr lang="fr-FR" sz="1400" dirty="0" err="1" smtClean="0"/>
+              <a:t>from</a:t>
+            </a:r>
+            <a:r>
+              <a:rPr lang="fr-FR" sz="1400" dirty="0" smtClean="0"/>
+              <a:t> the </a:t>
+            </a:r>
+            <a:r>
+              <a:rPr lang="fr-FR" sz="1400" dirty="0" err="1" smtClean="0"/>
+              <a:t>whole</a:t>
+            </a:r>
+            <a:r>
+              <a:rPr lang="fr-FR" sz="1400" dirty="0" smtClean="0"/>
+              <a:t> Scanner </a:t>
+            </a:r>
+            <a:r>
+              <a:rPr lang="fr-FR" sz="1400" dirty="0" err="1" smtClean="0"/>
+              <a:t>customer</a:t>
+            </a:r>
+            <a:r>
+              <a:rPr lang="fr-FR" sz="1400" dirty="0" smtClean="0"/>
+              <a:t> model, </a:t>
+            </a:r>
+            <a:r>
+              <a:rPr lang="fr-FR" sz="1400" dirty="0" err="1" smtClean="0"/>
+              <a:t>including</a:t>
+            </a:r>
+            <a:r>
+              <a:rPr lang="fr-FR" sz="1400" dirty="0" smtClean="0"/>
+              <a:t> all traces </a:t>
+            </a:r>
+            <a:r>
+              <a:rPr lang="fr-FR" sz="1400" dirty="0" err="1" smtClean="0"/>
+              <a:t>with</a:t>
+            </a:r>
+            <a:r>
+              <a:rPr lang="fr-FR" sz="1400" dirty="0" smtClean="0"/>
+              <a:t> </a:t>
+            </a:r>
+            <a:r>
+              <a:rPr lang="fr-FR" sz="1400" dirty="0" err="1" smtClean="0"/>
+              <a:t>probability</a:t>
+            </a:r>
+            <a:r>
+              <a:rPr lang="fr-FR" sz="1400" dirty="0" smtClean="0"/>
+              <a:t> </a:t>
+            </a:r>
+            <a:r>
+              <a:rPr lang="fr-FR" sz="1400" dirty="0" err="1" smtClean="0"/>
+              <a:t>greater</a:t>
+            </a:r>
+            <a:r>
+              <a:rPr lang="fr-FR" sz="1400" dirty="0" smtClean="0"/>
+              <a:t> </a:t>
+            </a:r>
+            <a:r>
+              <a:rPr lang="fr-FR" sz="1400" dirty="0" err="1" smtClean="0"/>
+              <a:t>than</a:t>
+            </a:r>
+            <a:r>
+              <a:rPr lang="fr-FR" sz="1400" dirty="0" smtClean="0"/>
+              <a:t> 1.0%</a:t>
+            </a:r>
+          </a:p>
+          <a:p>
+            <a:endParaRPr lang="fr-FR" sz="1400" dirty="0"/>
+          </a:p>
+        </p:txBody>
+      </p:sp>
     </p:spTree>
     <p:extLst>
       <p:ext uri="{BB962C8B-B14F-4D97-AF65-F5344CB8AC3E}">
@@ -11757,96 +12064,6 @@
           </a:p>
         </p:txBody>
       </p:sp>
-      <p:pic>
-        <p:nvPicPr>
-          <p:cNvPr id="2" name="Image 1"/>
-          <p:cNvPicPr>
-            <a:picLocks noChangeAspect="1"/>
-          </p:cNvPicPr>
-          <p:nvPr/>
-        </p:nvPicPr>
-        <p:blipFill>
-          <a:blip r:embed="rId2">
-            <a:extLst>
-              <a:ext uri="{28A0092B-C50C-407E-A947-70E740481C1C}">
-                <a14:useLocalDpi xmlns:a14="http://schemas.microsoft.com/office/drawing/2010/main" val="0"/>
-              </a:ext>
-            </a:extLst>
-          </a:blip>
-          <a:stretch>
-            <a:fillRect/>
-          </a:stretch>
-        </p:blipFill>
-        <p:spPr>
-          <a:xfrm>
-            <a:off x="1133541" y="1690688"/>
-            <a:ext cx="8750429" cy="3604073"/>
-          </a:xfrm>
-          <a:prstGeom prst="rect">
-            <a:avLst/>
-          </a:prstGeom>
-        </p:spPr>
-      </p:pic>
-    </p:spTree>
-    <p:extLst>
-      <p:ext uri="{BB962C8B-B14F-4D97-AF65-F5344CB8AC3E}">
-        <p14:creationId xmlns:p14="http://schemas.microsoft.com/office/powerpoint/2010/main" val="511636771"/>
-      </p:ext>
-    </p:extLst>
-  </p:cSld>
-  <p:clrMapOvr>
-    <a:masterClrMapping/>
-  </p:clrMapOvr>
-  <p:timing>
-    <p:tnLst>
-      <p:par>
-        <p:cTn id="1" dur="indefinite" restart="never" nodeType="tmRoot"/>
-      </p:par>
-    </p:tnLst>
-  </p:timing>
-</p:sld>
-</file>
-
-<file path=ppt/slides/slide29.xml><?xml version="1.0" encoding="utf-8"?>
-<p:sld xmlns:a="http://schemas.openxmlformats.org/drawingml/2006/main" xmlns:r="http://schemas.openxmlformats.org/officeDocument/2006/relationships" xmlns:p="http://schemas.openxmlformats.org/presentationml/2006/main">
-  <p:cSld>
-    <p:spTree>
-      <p:nvGrpSpPr>
-        <p:cNvPr id="1" name=""/>
-        <p:cNvGrpSpPr/>
-        <p:nvPr/>
-      </p:nvGrpSpPr>
-      <p:grpSpPr>
-        <a:xfrm>
-          <a:off x="0" y="0"/>
-          <a:ext cx="0" cy="0"/>
-          <a:chOff x="0" y="0"/>
-          <a:chExt cx="0" cy="0"/>
-        </a:xfrm>
-      </p:grpSpPr>
-      <p:sp>
-        <p:nvSpPr>
-          <p:cNvPr id="4" name="Titre 3"/>
-          <p:cNvSpPr>
-            <a:spLocks noGrp="1"/>
-          </p:cNvSpPr>
-          <p:nvPr>
-            <p:ph type="title"/>
-          </p:nvPr>
-        </p:nvSpPr>
-        <p:spPr/>
-        <p:txBody>
-          <a:bodyPr/>
-          <a:lstStyle/>
-          <a:p>
-            <a:r>
-              <a:rPr lang="fr-FR" dirty="0" smtClean="0"/>
-              <a:t>Bus system</a:t>
-            </a:r>
-            <a:endParaRPr lang="fr-FR" dirty="0"/>
-          </a:p>
-        </p:txBody>
-      </p:sp>
       <p:sp>
         <p:nvSpPr>
           <p:cNvPr id="9" name="ZoneTexte 8"/>
@@ -11943,6 +12160,526 @@
     <p:extLst>
       <p:ext uri="{BB962C8B-B14F-4D97-AF65-F5344CB8AC3E}">
         <p14:creationId xmlns:p14="http://schemas.microsoft.com/office/powerpoint/2010/main" val="375223513"/>
+      </p:ext>
+    </p:extLst>
+  </p:cSld>
+  <p:clrMapOvr>
+    <a:masterClrMapping/>
+  </p:clrMapOvr>
+  <p:timing>
+    <p:tnLst>
+      <p:par>
+        <p:cTn id="1" dur="indefinite" restart="never" nodeType="tmRoot"/>
+      </p:par>
+    </p:tnLst>
+  </p:timing>
+</p:sld>
+</file>
+
+<file path=ppt/slides/slide29.xml><?xml version="1.0" encoding="utf-8"?>
+<p:sld xmlns:a="http://schemas.openxmlformats.org/drawingml/2006/main" xmlns:r="http://schemas.openxmlformats.org/officeDocument/2006/relationships" xmlns:p="http://schemas.openxmlformats.org/presentationml/2006/main">
+  <p:cSld>
+    <p:spTree>
+      <p:nvGrpSpPr>
+        <p:cNvPr id="1" name=""/>
+        <p:cNvGrpSpPr/>
+        <p:nvPr/>
+      </p:nvGrpSpPr>
+      <p:grpSpPr>
+        <a:xfrm>
+          <a:off x="0" y="0"/>
+          <a:ext cx="0" cy="0"/>
+          <a:chOff x="0" y="0"/>
+          <a:chExt cx="0" cy="0"/>
+        </a:xfrm>
+      </p:grpSpPr>
+      <p:sp>
+        <p:nvSpPr>
+          <p:cNvPr id="2" name="Titre 1"/>
+          <p:cNvSpPr>
+            <a:spLocks noGrp="1"/>
+          </p:cNvSpPr>
+          <p:nvPr>
+            <p:ph type="title"/>
+          </p:nvPr>
+        </p:nvSpPr>
+        <p:spPr/>
+        <p:txBody>
+          <a:bodyPr/>
+          <a:lstStyle/>
+          <a:p>
+            <a:r>
+              <a:rPr lang="fr-FR" dirty="0" err="1" smtClean="0"/>
+              <a:t>Supply</a:t>
+            </a:r>
+            <a:r>
+              <a:rPr lang="fr-FR" dirty="0" smtClean="0"/>
+              <a:t> </a:t>
+            </a:r>
+            <a:r>
+              <a:rPr lang="fr-FR" dirty="0" err="1" smtClean="0"/>
+              <a:t>chain</a:t>
+            </a:r>
+            <a:endParaRPr lang="fr-FR" dirty="0"/>
+          </a:p>
+        </p:txBody>
+      </p:sp>
+      <p:pic>
+        <p:nvPicPr>
+          <p:cNvPr id="9" name="Image 8"/>
+          <p:cNvPicPr>
+            <a:picLocks noChangeAspect="1"/>
+          </p:cNvPicPr>
+          <p:nvPr/>
+        </p:nvPicPr>
+        <p:blipFill>
+          <a:blip r:embed="rId2">
+            <a:extLst>
+              <a:ext uri="{28A0092B-C50C-407E-A947-70E740481C1C}">
+                <a14:useLocalDpi xmlns:a14="http://schemas.microsoft.com/office/drawing/2010/main" val="0"/>
+              </a:ext>
+            </a:extLst>
+          </a:blip>
+          <a:stretch>
+            <a:fillRect/>
+          </a:stretch>
+        </p:blipFill>
+        <p:spPr>
+          <a:xfrm>
+            <a:off x="6361628" y="2896786"/>
+            <a:ext cx="5482643" cy="2464273"/>
+          </a:xfrm>
+          <a:prstGeom prst="rect">
+            <a:avLst/>
+          </a:prstGeom>
+        </p:spPr>
+      </p:pic>
+      <p:pic>
+        <p:nvPicPr>
+          <p:cNvPr id="10" name="Image 9"/>
+          <p:cNvPicPr>
+            <a:picLocks noChangeAspect="1"/>
+          </p:cNvPicPr>
+          <p:nvPr/>
+        </p:nvPicPr>
+        <p:blipFill>
+          <a:blip r:embed="rId3" cstate="print">
+            <a:extLst>
+              <a:ext uri="{28A0092B-C50C-407E-A947-70E740481C1C}">
+                <a14:useLocalDpi xmlns:a14="http://schemas.microsoft.com/office/drawing/2010/main" val="0"/>
+              </a:ext>
+            </a:extLst>
+          </a:blip>
+          <a:stretch>
+            <a:fillRect/>
+          </a:stretch>
+        </p:blipFill>
+        <p:spPr>
+          <a:xfrm>
+            <a:off x="-167424" y="2713245"/>
+            <a:ext cx="3946532" cy="3918248"/>
+          </a:xfrm>
+          <a:prstGeom prst="rect">
+            <a:avLst/>
+          </a:prstGeom>
+        </p:spPr>
+      </p:pic>
+      <p:pic>
+        <p:nvPicPr>
+          <p:cNvPr id="11" name="Image 10"/>
+          <p:cNvPicPr>
+            <a:picLocks noChangeAspect="1"/>
+          </p:cNvPicPr>
+          <p:nvPr/>
+        </p:nvPicPr>
+        <p:blipFill>
+          <a:blip r:embed="rId3" cstate="print">
+            <a:extLst>
+              <a:ext uri="{28A0092B-C50C-407E-A947-70E740481C1C}">
+                <a14:useLocalDpi xmlns:a14="http://schemas.microsoft.com/office/drawing/2010/main" val="0"/>
+              </a:ext>
+            </a:extLst>
+          </a:blip>
+          <a:stretch>
+            <a:fillRect/>
+          </a:stretch>
+        </p:blipFill>
+        <p:spPr>
+          <a:xfrm>
+            <a:off x="2208228" y="2708118"/>
+            <a:ext cx="3946532" cy="3918248"/>
+          </a:xfrm>
+          <a:prstGeom prst="rect">
+            <a:avLst/>
+          </a:prstGeom>
+        </p:spPr>
+      </p:pic>
+      <p:pic>
+        <p:nvPicPr>
+          <p:cNvPr id="12" name="Picture 3"/>
+          <p:cNvPicPr>
+            <a:picLocks noChangeAspect="1" noChangeArrowheads="1"/>
+          </p:cNvPicPr>
+          <p:nvPr/>
+        </p:nvPicPr>
+        <p:blipFill>
+          <a:blip r:embed="rId4" cstate="print">
+            <a:extLst>
+              <a:ext uri="{28A0092B-C50C-407E-A947-70E740481C1C}">
+                <a14:useLocalDpi xmlns:a14="http://schemas.microsoft.com/office/drawing/2010/main" val="0"/>
+              </a:ext>
+            </a:extLst>
+          </a:blip>
+          <a:srcRect/>
+          <a:stretch>
+            <a:fillRect/>
+          </a:stretch>
+        </p:blipFill>
+        <p:spPr bwMode="auto">
+          <a:xfrm>
+            <a:off x="976508" y="3296797"/>
+            <a:ext cx="1621818" cy="2250916"/>
+          </a:xfrm>
+          <a:prstGeom prst="rect">
+            <a:avLst/>
+          </a:prstGeom>
+          <a:noFill/>
+          <a:ln>
+            <a:noFill/>
+          </a:ln>
+          <a:extLst>
+            <a:ext uri="{909E8E84-426E-40DD-AFC4-6F175D3DCCD1}">
+              <a14:hiddenFill xmlns:a14="http://schemas.microsoft.com/office/drawing/2010/main">
+                <a:solidFill>
+                  <a:schemeClr val="accent1"/>
+                </a:solidFill>
+              </a14:hiddenFill>
+            </a:ext>
+            <a:ext uri="{91240B29-F687-4F45-9708-019B960494DF}">
+              <a14:hiddenLine xmlns:a14="http://schemas.microsoft.com/office/drawing/2010/main" w="9525">
+                <a:solidFill>
+                  <a:schemeClr val="tx1"/>
+                </a:solidFill>
+                <a:miter lim="800000"/>
+                <a:headEnd/>
+                <a:tailEnd/>
+              </a14:hiddenLine>
+            </a:ext>
+          </a:extLst>
+        </p:spPr>
+      </p:pic>
+      <p:pic>
+        <p:nvPicPr>
+          <p:cNvPr id="13" name="Picture 4"/>
+          <p:cNvPicPr>
+            <a:picLocks noChangeAspect="1" noChangeArrowheads="1"/>
+          </p:cNvPicPr>
+          <p:nvPr/>
+        </p:nvPicPr>
+        <p:blipFill>
+          <a:blip r:embed="rId5" cstate="print">
+            <a:extLst>
+              <a:ext uri="{28A0092B-C50C-407E-A947-70E740481C1C}">
+                <a14:useLocalDpi xmlns:a14="http://schemas.microsoft.com/office/drawing/2010/main" val="0"/>
+              </a:ext>
+            </a:extLst>
+          </a:blip>
+          <a:srcRect/>
+          <a:stretch>
+            <a:fillRect/>
+          </a:stretch>
+        </p:blipFill>
+        <p:spPr bwMode="auto">
+          <a:xfrm>
+            <a:off x="3351385" y="3309674"/>
+            <a:ext cx="1671824" cy="2637583"/>
+          </a:xfrm>
+          <a:prstGeom prst="rect">
+            <a:avLst/>
+          </a:prstGeom>
+          <a:noFill/>
+          <a:ln>
+            <a:noFill/>
+          </a:ln>
+          <a:extLst>
+            <a:ext uri="{909E8E84-426E-40DD-AFC4-6F175D3DCCD1}">
+              <a14:hiddenFill xmlns:a14="http://schemas.microsoft.com/office/drawing/2010/main">
+                <a:solidFill>
+                  <a:schemeClr val="accent1"/>
+                </a:solidFill>
+              </a14:hiddenFill>
+            </a:ext>
+            <a:ext uri="{91240B29-F687-4F45-9708-019B960494DF}">
+              <a14:hiddenLine xmlns:a14="http://schemas.microsoft.com/office/drawing/2010/main" w="9525">
+                <a:solidFill>
+                  <a:schemeClr val="tx1"/>
+                </a:solidFill>
+                <a:miter lim="800000"/>
+                <a:headEnd/>
+                <a:tailEnd/>
+              </a14:hiddenLine>
+            </a:ext>
+          </a:extLst>
+        </p:spPr>
+      </p:pic>
+      <p:sp>
+        <p:nvSpPr>
+          <p:cNvPr id="14" name="ZoneTexte 13"/>
+          <p:cNvSpPr txBox="1"/>
+          <p:nvPr/>
+        </p:nvSpPr>
+        <p:spPr>
+          <a:xfrm>
+            <a:off x="976507" y="1571223"/>
+            <a:ext cx="9584169" cy="1200329"/>
+          </a:xfrm>
+          <a:prstGeom prst="rect">
+            <a:avLst/>
+          </a:prstGeom>
+          <a:noFill/>
+        </p:spPr>
+        <p:txBody>
+          <a:bodyPr wrap="square" rtlCol="0">
+            <a:spAutoFit/>
+          </a:bodyPr>
+          <a:lstStyle/>
+          <a:p>
+            <a:pPr marL="285750" indent="-285750">
+              <a:buFont typeface="Arial" panose="020B0604020202020204" pitchFamily="34" charset="0"/>
+              <a:buChar char="•"/>
+            </a:pPr>
+            <a:r>
+              <a:rPr lang="fr-FR" dirty="0" smtClean="0"/>
+              <a:t>Set of web services for </a:t>
+            </a:r>
+            <a:r>
+              <a:rPr lang="fr-FR" dirty="0" err="1" smtClean="0"/>
+              <a:t>managing</a:t>
+            </a:r>
+            <a:r>
+              <a:rPr lang="fr-FR" dirty="0" smtClean="0"/>
+              <a:t> maintenance </a:t>
+            </a:r>
+            <a:r>
+              <a:rPr lang="fr-FR" dirty="0" err="1" smtClean="0"/>
+              <a:t>equipment</a:t>
+            </a:r>
+            <a:endParaRPr lang="fr-FR" dirty="0" smtClean="0"/>
+          </a:p>
+          <a:p>
+            <a:pPr marL="285750" indent="-285750">
+              <a:buFont typeface="Arial" panose="020B0604020202020204" pitchFamily="34" charset="0"/>
+              <a:buChar char="•"/>
+            </a:pPr>
+            <a:r>
+              <a:rPr lang="fr-FR" dirty="0" smtClean="0"/>
+              <a:t>For </a:t>
+            </a:r>
+            <a:r>
+              <a:rPr lang="fr-FR" dirty="0" err="1" smtClean="0"/>
+              <a:t>each</a:t>
+            </a:r>
+            <a:r>
+              <a:rPr lang="fr-FR" dirty="0" smtClean="0"/>
+              <a:t> </a:t>
+            </a:r>
+            <a:r>
+              <a:rPr lang="fr-FR" dirty="0" err="1" smtClean="0"/>
+              <a:t>repair</a:t>
+            </a:r>
+            <a:r>
+              <a:rPr lang="fr-FR" dirty="0" smtClean="0"/>
+              <a:t> job, a </a:t>
+            </a:r>
+            <a:r>
+              <a:rPr lang="fr-FR" dirty="0" err="1" smtClean="0"/>
+              <a:t>list</a:t>
+            </a:r>
+            <a:r>
+              <a:rPr lang="fr-FR" dirty="0" smtClean="0"/>
+              <a:t> of </a:t>
+            </a:r>
+            <a:r>
+              <a:rPr lang="fr-FR" dirty="0" err="1" smtClean="0"/>
+              <a:t>required</a:t>
+            </a:r>
+            <a:r>
+              <a:rPr lang="fr-FR" dirty="0" smtClean="0"/>
+              <a:t> </a:t>
+            </a:r>
+            <a:r>
+              <a:rPr lang="fr-FR" dirty="0" err="1" smtClean="0"/>
+              <a:t>equipment</a:t>
+            </a:r>
+            <a:r>
+              <a:rPr lang="fr-FR" dirty="0" smtClean="0"/>
+              <a:t> </a:t>
+            </a:r>
+            <a:r>
+              <a:rPr lang="fr-FR" dirty="0" err="1" smtClean="0"/>
+              <a:t>is</a:t>
+            </a:r>
+            <a:r>
+              <a:rPr lang="fr-FR" dirty="0" smtClean="0"/>
+              <a:t> </a:t>
+            </a:r>
+            <a:r>
+              <a:rPr lang="fr-FR" dirty="0" err="1" smtClean="0"/>
+              <a:t>created</a:t>
+            </a:r>
+            <a:r>
+              <a:rPr lang="fr-FR" dirty="0" smtClean="0"/>
+              <a:t> by a </a:t>
+            </a:r>
+            <a:r>
+              <a:rPr lang="fr-FR" dirty="0" err="1" smtClean="0"/>
+              <a:t>remote</a:t>
+            </a:r>
+            <a:r>
+              <a:rPr lang="fr-FR" dirty="0" smtClean="0"/>
+              <a:t> </a:t>
+            </a:r>
+            <a:r>
+              <a:rPr lang="fr-FR" dirty="0" err="1" smtClean="0"/>
+              <a:t>operator</a:t>
+            </a:r>
+            <a:endParaRPr lang="fr-FR" dirty="0" smtClean="0"/>
+          </a:p>
+          <a:p>
+            <a:pPr marL="285750" indent="-285750">
+              <a:buFont typeface="Arial" panose="020B0604020202020204" pitchFamily="34" charset="0"/>
+              <a:buChar char="•"/>
+            </a:pPr>
+            <a:r>
+              <a:rPr lang="fr-FR" dirty="0" err="1" smtClean="0"/>
+              <a:t>Technicians</a:t>
+            </a:r>
+            <a:r>
+              <a:rPr lang="fr-FR" dirty="0" smtClean="0"/>
+              <a:t> use a mobile </a:t>
+            </a:r>
+            <a:r>
+              <a:rPr lang="fr-FR" dirty="0" err="1" smtClean="0"/>
+              <a:t>app</a:t>
+            </a:r>
+            <a:r>
+              <a:rPr lang="fr-FR" dirty="0" smtClean="0"/>
+              <a:t> to record </a:t>
+            </a:r>
+            <a:r>
+              <a:rPr lang="fr-FR" dirty="0" err="1" smtClean="0"/>
+              <a:t>when</a:t>
+            </a:r>
+            <a:r>
+              <a:rPr lang="fr-FR" dirty="0" smtClean="0"/>
+              <a:t> </a:t>
+            </a:r>
+            <a:r>
+              <a:rPr lang="fr-FR" dirty="0" err="1" smtClean="0"/>
+              <a:t>they</a:t>
+            </a:r>
+            <a:r>
+              <a:rPr lang="fr-FR" dirty="0" smtClean="0"/>
+              <a:t> </a:t>
+            </a:r>
+            <a:r>
+              <a:rPr lang="fr-FR" dirty="0" err="1" smtClean="0"/>
+              <a:t>collect</a:t>
+            </a:r>
+            <a:r>
+              <a:rPr lang="fr-FR" dirty="0" smtClean="0"/>
+              <a:t> and return the </a:t>
+            </a:r>
+            <a:r>
+              <a:rPr lang="fr-FR" dirty="0" err="1" smtClean="0"/>
+              <a:t>required</a:t>
+            </a:r>
+            <a:r>
+              <a:rPr lang="fr-FR" dirty="0" smtClean="0"/>
+              <a:t> </a:t>
+            </a:r>
+            <a:r>
+              <a:rPr lang="fr-FR" dirty="0" err="1" smtClean="0"/>
+              <a:t>equipment</a:t>
+            </a:r>
+            <a:endParaRPr lang="fr-FR" dirty="0"/>
+          </a:p>
+        </p:txBody>
+      </p:sp>
+      <p:sp>
+        <p:nvSpPr>
+          <p:cNvPr id="15" name="ZoneTexte 14"/>
+          <p:cNvSpPr txBox="1"/>
+          <p:nvPr/>
+        </p:nvSpPr>
+        <p:spPr>
+          <a:xfrm>
+            <a:off x="6361628" y="5440126"/>
+            <a:ext cx="4798454" cy="646331"/>
+          </a:xfrm>
+          <a:prstGeom prst="rect">
+            <a:avLst/>
+          </a:prstGeom>
+          <a:noFill/>
+        </p:spPr>
+        <p:txBody>
+          <a:bodyPr wrap="square" rtlCol="0">
+            <a:spAutoFit/>
+          </a:bodyPr>
+          <a:lstStyle/>
+          <a:p>
+            <a:r>
+              <a:rPr lang="fr-FR" dirty="0" smtClean="0"/>
+              <a:t>2898 </a:t>
+            </a:r>
+            <a:r>
+              <a:rPr lang="fr-FR" dirty="0" err="1" smtClean="0"/>
+              <a:t>events</a:t>
+            </a:r>
+            <a:r>
+              <a:rPr lang="fr-FR" dirty="0" smtClean="0"/>
+              <a:t> and </a:t>
+            </a:r>
+            <a:r>
+              <a:rPr lang="fr-FR" dirty="0" err="1" smtClean="0"/>
+              <a:t>their</a:t>
+            </a:r>
+            <a:r>
+              <a:rPr lang="fr-FR" dirty="0" smtClean="0"/>
+              <a:t> </a:t>
+            </a:r>
+            <a:r>
+              <a:rPr lang="fr-FR" dirty="0" err="1" smtClean="0"/>
+              <a:t>frequencies</a:t>
+            </a:r>
+            <a:r>
+              <a:rPr lang="fr-FR" dirty="0" smtClean="0"/>
+              <a:t> </a:t>
+            </a:r>
+            <a:r>
+              <a:rPr lang="fr-FR" dirty="0" err="1" smtClean="0"/>
+              <a:t>coming</a:t>
+            </a:r>
+            <a:r>
+              <a:rPr lang="fr-FR" dirty="0" smtClean="0"/>
+              <a:t> </a:t>
+            </a:r>
+            <a:r>
+              <a:rPr lang="fr-FR" dirty="0" err="1" smtClean="0"/>
+              <a:t>from</a:t>
+            </a:r>
+            <a:r>
+              <a:rPr lang="fr-FR" dirty="0" smtClean="0"/>
+              <a:t> 437 sessions</a:t>
+            </a:r>
+            <a:endParaRPr lang="fr-FR" dirty="0"/>
+          </a:p>
+        </p:txBody>
+      </p:sp>
+    </p:spTree>
+    <p:extLst>
+      <p:ext uri="{BB962C8B-B14F-4D97-AF65-F5344CB8AC3E}">
+        <p14:creationId xmlns:p14="http://schemas.microsoft.com/office/powerpoint/2010/main" val="2615617143"/>
       </p:ext>
     </p:extLst>
   </p:cSld>
@@ -17218,7 +17955,7 @@
       </p:grpSpPr>
       <p:sp>
         <p:nvSpPr>
-          <p:cNvPr id="2" name="Titre 1"/>
+          <p:cNvPr id="4" name="Titre 3"/>
           <p:cNvSpPr>
             <a:spLocks noGrp="1"/>
           </p:cNvSpPr>
@@ -17232,16 +17969,8 @@
           <a:lstStyle/>
           <a:p>
             <a:r>
-              <a:rPr lang="fr-FR" dirty="0" err="1" smtClean="0"/>
-              <a:t>Supply</a:t>
-            </a:r>
-            <a:r>
-              <a:rPr lang="fr-FR" dirty="0" smtClean="0"/>
-              <a:t> </a:t>
-            </a:r>
-            <a:r>
-              <a:rPr lang="fr-FR" dirty="0" err="1" smtClean="0"/>
-              <a:t>chain</a:t>
+              <a:rPr lang="fr-FR" dirty="0" smtClean="0"/>
+              <a:t>Bus system</a:t>
             </a:r>
             <a:endParaRPr lang="fr-FR" dirty="0"/>
           </a:p>
@@ -17249,7 +17978,7 @@
       </p:sp>
       <p:pic>
         <p:nvPicPr>
-          <p:cNvPr id="9" name="Image 8"/>
+          <p:cNvPr id="2" name="Image 1"/>
           <p:cNvPicPr>
             <a:picLocks noChangeAspect="1"/>
           </p:cNvPicPr>
@@ -17269,440 +17998,18 @@
         </p:blipFill>
         <p:spPr>
           <a:xfrm>
-            <a:off x="6361628" y="2896786"/>
-            <a:ext cx="5482643" cy="2464273"/>
+            <a:off x="1133541" y="1690688"/>
+            <a:ext cx="8750429" cy="3604073"/>
           </a:xfrm>
           <a:prstGeom prst="rect">
             <a:avLst/>
           </a:prstGeom>
         </p:spPr>
       </p:pic>
-      <p:pic>
-        <p:nvPicPr>
-          <p:cNvPr id="10" name="Image 9"/>
-          <p:cNvPicPr>
-            <a:picLocks noChangeAspect="1"/>
-          </p:cNvPicPr>
-          <p:nvPr/>
-        </p:nvPicPr>
-        <p:blipFill>
-          <a:blip r:embed="rId3" cstate="print">
-            <a:extLst>
-              <a:ext uri="{28A0092B-C50C-407E-A947-70E740481C1C}">
-                <a14:useLocalDpi xmlns:a14="http://schemas.microsoft.com/office/drawing/2010/main" val="0"/>
-              </a:ext>
-            </a:extLst>
-          </a:blip>
-          <a:stretch>
-            <a:fillRect/>
-          </a:stretch>
-        </p:blipFill>
-        <p:spPr>
-          <a:xfrm>
-            <a:off x="-167424" y="2713245"/>
-            <a:ext cx="3946532" cy="3918248"/>
-          </a:xfrm>
-          <a:prstGeom prst="rect">
-            <a:avLst/>
-          </a:prstGeom>
-        </p:spPr>
-      </p:pic>
-      <p:pic>
-        <p:nvPicPr>
-          <p:cNvPr id="11" name="Image 10"/>
-          <p:cNvPicPr>
-            <a:picLocks noChangeAspect="1"/>
-          </p:cNvPicPr>
-          <p:nvPr/>
-        </p:nvPicPr>
-        <p:blipFill>
-          <a:blip r:embed="rId3" cstate="print">
-            <a:extLst>
-              <a:ext uri="{28A0092B-C50C-407E-A947-70E740481C1C}">
-                <a14:useLocalDpi xmlns:a14="http://schemas.microsoft.com/office/drawing/2010/main" val="0"/>
-              </a:ext>
-            </a:extLst>
-          </a:blip>
-          <a:stretch>
-            <a:fillRect/>
-          </a:stretch>
-        </p:blipFill>
-        <p:spPr>
-          <a:xfrm>
-            <a:off x="2208228" y="2708118"/>
-            <a:ext cx="3946532" cy="3918248"/>
-          </a:xfrm>
-          <a:prstGeom prst="rect">
-            <a:avLst/>
-          </a:prstGeom>
-        </p:spPr>
-      </p:pic>
-      <p:pic>
-        <p:nvPicPr>
-          <p:cNvPr id="12" name="Picture 3"/>
-          <p:cNvPicPr>
-            <a:picLocks noChangeAspect="1" noChangeArrowheads="1"/>
-          </p:cNvPicPr>
-          <p:nvPr/>
-        </p:nvPicPr>
-        <p:blipFill>
-          <a:blip r:embed="rId4" cstate="print">
-            <a:extLst>
-              <a:ext uri="{28A0092B-C50C-407E-A947-70E740481C1C}">
-                <a14:useLocalDpi xmlns:a14="http://schemas.microsoft.com/office/drawing/2010/main" val="0"/>
-              </a:ext>
-            </a:extLst>
-          </a:blip>
-          <a:srcRect/>
-          <a:stretch>
-            <a:fillRect/>
-          </a:stretch>
-        </p:blipFill>
-        <p:spPr bwMode="auto">
-          <a:xfrm>
-            <a:off x="976508" y="3296797"/>
-            <a:ext cx="1621818" cy="2250916"/>
-          </a:xfrm>
-          <a:prstGeom prst="rect">
-            <a:avLst/>
-          </a:prstGeom>
-          <a:noFill/>
-          <a:ln>
-            <a:noFill/>
-          </a:ln>
-          <a:extLst>
-            <a:ext uri="{909E8E84-426E-40DD-AFC4-6F175D3DCCD1}">
-              <a14:hiddenFill xmlns:a14="http://schemas.microsoft.com/office/drawing/2010/main">
-                <a:solidFill>
-                  <a:schemeClr val="accent1"/>
-                </a:solidFill>
-              </a14:hiddenFill>
-            </a:ext>
-            <a:ext uri="{91240B29-F687-4F45-9708-019B960494DF}">
-              <a14:hiddenLine xmlns:a14="http://schemas.microsoft.com/office/drawing/2010/main" w="9525">
-                <a:solidFill>
-                  <a:schemeClr val="tx1"/>
-                </a:solidFill>
-                <a:miter lim="800000"/>
-                <a:headEnd/>
-                <a:tailEnd/>
-              </a14:hiddenLine>
-            </a:ext>
-          </a:extLst>
-        </p:spPr>
-      </p:pic>
-      <p:pic>
-        <p:nvPicPr>
-          <p:cNvPr id="13" name="Picture 4"/>
-          <p:cNvPicPr>
-            <a:picLocks noChangeAspect="1" noChangeArrowheads="1"/>
-          </p:cNvPicPr>
-          <p:nvPr/>
-        </p:nvPicPr>
-        <p:blipFill>
-          <a:blip r:embed="rId5" cstate="print">
-            <a:extLst>
-              <a:ext uri="{28A0092B-C50C-407E-A947-70E740481C1C}">
-                <a14:useLocalDpi xmlns:a14="http://schemas.microsoft.com/office/drawing/2010/main" val="0"/>
-              </a:ext>
-            </a:extLst>
-          </a:blip>
-          <a:srcRect/>
-          <a:stretch>
-            <a:fillRect/>
-          </a:stretch>
-        </p:blipFill>
-        <p:spPr bwMode="auto">
-          <a:xfrm>
-            <a:off x="3351385" y="3309674"/>
-            <a:ext cx="1671824" cy="2637583"/>
-          </a:xfrm>
-          <a:prstGeom prst="rect">
-            <a:avLst/>
-          </a:prstGeom>
-          <a:noFill/>
-          <a:ln>
-            <a:noFill/>
-          </a:ln>
-          <a:extLst>
-            <a:ext uri="{909E8E84-426E-40DD-AFC4-6F175D3DCCD1}">
-              <a14:hiddenFill xmlns:a14="http://schemas.microsoft.com/office/drawing/2010/main">
-                <a:solidFill>
-                  <a:schemeClr val="accent1"/>
-                </a:solidFill>
-              </a14:hiddenFill>
-            </a:ext>
-            <a:ext uri="{91240B29-F687-4F45-9708-019B960494DF}">
-              <a14:hiddenLine xmlns:a14="http://schemas.microsoft.com/office/drawing/2010/main" w="9525">
-                <a:solidFill>
-                  <a:schemeClr val="tx1"/>
-                </a:solidFill>
-                <a:miter lim="800000"/>
-                <a:headEnd/>
-                <a:tailEnd/>
-              </a14:hiddenLine>
-            </a:ext>
-          </a:extLst>
-        </p:spPr>
-      </p:pic>
-      <p:sp>
-        <p:nvSpPr>
-          <p:cNvPr id="14" name="ZoneTexte 13"/>
-          <p:cNvSpPr txBox="1"/>
-          <p:nvPr/>
-        </p:nvSpPr>
-        <p:spPr>
-          <a:xfrm>
-            <a:off x="976507" y="1571223"/>
-            <a:ext cx="9584169" cy="923330"/>
-          </a:xfrm>
-          <a:prstGeom prst="rect">
-            <a:avLst/>
-          </a:prstGeom>
-          <a:noFill/>
-        </p:spPr>
-        <p:txBody>
-          <a:bodyPr wrap="square" rtlCol="0">
-            <a:spAutoFit/>
-          </a:bodyPr>
-          <a:lstStyle/>
-          <a:p>
-            <a:pPr marL="285750" indent="-285750">
-              <a:buFont typeface="Arial" panose="020B0604020202020204" pitchFamily="34" charset="0"/>
-              <a:buChar char="•"/>
-            </a:pPr>
-            <a:r>
-              <a:rPr lang="fr-FR" dirty="0" smtClean="0"/>
-              <a:t>Set of web services for </a:t>
-            </a:r>
-            <a:r>
-              <a:rPr lang="fr-FR" dirty="0" err="1" smtClean="0"/>
-              <a:t>managing</a:t>
-            </a:r>
-            <a:r>
-              <a:rPr lang="fr-FR" dirty="0" smtClean="0"/>
-              <a:t> maintenance </a:t>
-            </a:r>
-            <a:r>
-              <a:rPr lang="fr-FR" dirty="0" err="1" smtClean="0"/>
-              <a:t>equipment</a:t>
-            </a:r>
-            <a:endParaRPr lang="fr-FR" dirty="0" smtClean="0"/>
-          </a:p>
-          <a:p>
-            <a:pPr marL="285750" indent="-285750">
-              <a:buFont typeface="Arial" panose="020B0604020202020204" pitchFamily="34" charset="0"/>
-              <a:buChar char="•"/>
-            </a:pPr>
-            <a:r>
-              <a:rPr lang="fr-FR" dirty="0" smtClean="0"/>
-              <a:t>For </a:t>
-            </a:r>
-            <a:r>
-              <a:rPr lang="fr-FR" dirty="0" err="1" smtClean="0"/>
-              <a:t>each</a:t>
-            </a:r>
-            <a:r>
-              <a:rPr lang="fr-FR" dirty="0" smtClean="0"/>
-              <a:t> </a:t>
-            </a:r>
-            <a:r>
-              <a:rPr lang="fr-FR" dirty="0" err="1" smtClean="0"/>
-              <a:t>repair</a:t>
-            </a:r>
-            <a:r>
-              <a:rPr lang="fr-FR" dirty="0" smtClean="0"/>
-              <a:t> job, a </a:t>
-            </a:r>
-            <a:r>
-              <a:rPr lang="fr-FR" dirty="0" err="1" smtClean="0"/>
-              <a:t>list</a:t>
-            </a:r>
-            <a:r>
-              <a:rPr lang="fr-FR" dirty="0" smtClean="0"/>
-              <a:t> of </a:t>
-            </a:r>
-            <a:r>
-              <a:rPr lang="fr-FR" dirty="0" err="1" smtClean="0"/>
-              <a:t>required</a:t>
-            </a:r>
-            <a:r>
-              <a:rPr lang="fr-FR" dirty="0" smtClean="0"/>
-              <a:t> </a:t>
-            </a:r>
-            <a:r>
-              <a:rPr lang="fr-FR" dirty="0" err="1" smtClean="0"/>
-              <a:t>equipment</a:t>
-            </a:r>
-            <a:r>
-              <a:rPr lang="fr-FR" dirty="0" smtClean="0"/>
-              <a:t> </a:t>
-            </a:r>
-            <a:r>
-              <a:rPr lang="fr-FR" dirty="0" err="1" smtClean="0"/>
-              <a:t>is</a:t>
-            </a:r>
-            <a:r>
-              <a:rPr lang="fr-FR" dirty="0" smtClean="0"/>
-              <a:t> </a:t>
-            </a:r>
-            <a:r>
-              <a:rPr lang="fr-FR" dirty="0" err="1" smtClean="0"/>
-              <a:t>created</a:t>
-            </a:r>
-            <a:r>
-              <a:rPr lang="fr-FR" dirty="0" smtClean="0"/>
-              <a:t> by a </a:t>
-            </a:r>
-            <a:r>
-              <a:rPr lang="fr-FR" dirty="0" err="1" smtClean="0"/>
-              <a:t>remote</a:t>
-            </a:r>
-            <a:r>
-              <a:rPr lang="fr-FR" dirty="0" smtClean="0"/>
-              <a:t> </a:t>
-            </a:r>
-            <a:r>
-              <a:rPr lang="fr-FR" dirty="0" err="1" smtClean="0"/>
-              <a:t>operator</a:t>
-            </a:r>
-            <a:endParaRPr lang="fr-FR" dirty="0" smtClean="0"/>
-          </a:p>
-          <a:p>
-            <a:pPr marL="285750" indent="-285750">
-              <a:buFont typeface="Arial" panose="020B0604020202020204" pitchFamily="34" charset="0"/>
-              <a:buChar char="•"/>
-            </a:pPr>
-            <a:r>
-              <a:rPr lang="fr-FR" dirty="0" err="1" smtClean="0"/>
-              <a:t>Technicians</a:t>
-            </a:r>
-            <a:r>
-              <a:rPr lang="fr-FR" dirty="0" smtClean="0"/>
-              <a:t> use a mobile </a:t>
-            </a:r>
-            <a:r>
-              <a:rPr lang="fr-FR" dirty="0" err="1" smtClean="0"/>
-              <a:t>app</a:t>
-            </a:r>
-            <a:r>
-              <a:rPr lang="fr-FR" dirty="0" smtClean="0"/>
-              <a:t> to record </a:t>
-            </a:r>
-            <a:r>
-              <a:rPr lang="fr-FR" dirty="0" err="1" smtClean="0"/>
-              <a:t>when</a:t>
-            </a:r>
-            <a:r>
-              <a:rPr lang="fr-FR" dirty="0" smtClean="0"/>
-              <a:t> </a:t>
-            </a:r>
-            <a:r>
-              <a:rPr lang="fr-FR" dirty="0" err="1" smtClean="0"/>
-              <a:t>tehy</a:t>
-            </a:r>
-            <a:r>
-              <a:rPr lang="fr-FR" dirty="0" smtClean="0"/>
-              <a:t> </a:t>
-            </a:r>
-            <a:r>
-              <a:rPr lang="fr-FR" dirty="0" err="1" smtClean="0"/>
-              <a:t>collect</a:t>
-            </a:r>
-            <a:r>
-              <a:rPr lang="fr-FR" dirty="0" smtClean="0"/>
-              <a:t> and return the </a:t>
-            </a:r>
-            <a:r>
-              <a:rPr lang="fr-FR" dirty="0" err="1" smtClean="0"/>
-              <a:t>required</a:t>
-            </a:r>
-            <a:r>
-              <a:rPr lang="fr-FR" dirty="0" smtClean="0"/>
-              <a:t> </a:t>
-            </a:r>
-            <a:r>
-              <a:rPr lang="fr-FR" dirty="0" err="1" smtClean="0"/>
-              <a:t>equiment</a:t>
-            </a:r>
-            <a:endParaRPr lang="fr-FR" dirty="0"/>
-          </a:p>
-        </p:txBody>
-      </p:sp>
-      <p:sp>
-        <p:nvSpPr>
-          <p:cNvPr id="15" name="ZoneTexte 14"/>
-          <p:cNvSpPr txBox="1"/>
-          <p:nvPr/>
-        </p:nvSpPr>
-        <p:spPr>
-          <a:xfrm>
-            <a:off x="6361628" y="5440126"/>
-            <a:ext cx="4798454" cy="646331"/>
-          </a:xfrm>
-          <a:prstGeom prst="rect">
-            <a:avLst/>
-          </a:prstGeom>
-          <a:noFill/>
-        </p:spPr>
-        <p:txBody>
-          <a:bodyPr wrap="square" rtlCol="0">
-            <a:spAutoFit/>
-          </a:bodyPr>
-          <a:lstStyle/>
-          <a:p>
-            <a:r>
-              <a:rPr lang="fr-FR" dirty="0" smtClean="0"/>
-              <a:t>2898 </a:t>
-            </a:r>
-            <a:r>
-              <a:rPr lang="fr-FR" dirty="0" err="1" smtClean="0"/>
-              <a:t>events</a:t>
-            </a:r>
-            <a:r>
-              <a:rPr lang="fr-FR" dirty="0" smtClean="0"/>
-              <a:t> and </a:t>
-            </a:r>
-            <a:r>
-              <a:rPr lang="fr-FR" dirty="0" err="1" smtClean="0"/>
-              <a:t>their</a:t>
-            </a:r>
-            <a:r>
-              <a:rPr lang="fr-FR" dirty="0" smtClean="0"/>
-              <a:t> </a:t>
-            </a:r>
-            <a:r>
-              <a:rPr lang="fr-FR" dirty="0" err="1" smtClean="0"/>
-              <a:t>frequencies</a:t>
-            </a:r>
-            <a:r>
-              <a:rPr lang="fr-FR" dirty="0" smtClean="0"/>
-              <a:t> </a:t>
-            </a:r>
-            <a:r>
-              <a:rPr lang="fr-FR" dirty="0" err="1" smtClean="0"/>
-              <a:t>coming</a:t>
-            </a:r>
-            <a:r>
-              <a:rPr lang="fr-FR" dirty="0" smtClean="0"/>
-              <a:t> </a:t>
-            </a:r>
-            <a:r>
-              <a:rPr lang="fr-FR" dirty="0" err="1" smtClean="0"/>
-              <a:t>from</a:t>
-            </a:r>
-            <a:r>
-              <a:rPr lang="fr-FR" dirty="0" smtClean="0"/>
-              <a:t> 437 sessions</a:t>
-            </a:r>
-            <a:endParaRPr lang="fr-FR" dirty="0"/>
-          </a:p>
-        </p:txBody>
-      </p:sp>
     </p:spTree>
     <p:extLst>
       <p:ext uri="{BB962C8B-B14F-4D97-AF65-F5344CB8AC3E}">
-        <p14:creationId xmlns:p14="http://schemas.microsoft.com/office/powerpoint/2010/main" val="2615617143"/>
+        <p14:creationId xmlns:p14="http://schemas.microsoft.com/office/powerpoint/2010/main" val="511636771"/>
       </p:ext>
     </p:extLst>
   </p:cSld>
@@ -17863,6 +18170,189 @@
     <p:extLst>
       <p:ext uri="{BB962C8B-B14F-4D97-AF65-F5344CB8AC3E}">
         <p14:creationId xmlns:p14="http://schemas.microsoft.com/office/powerpoint/2010/main" val="2099629800"/>
+      </p:ext>
+    </p:extLst>
+  </p:cSld>
+  <p:clrMapOvr>
+    <a:masterClrMapping/>
+  </p:clrMapOvr>
+  <p:timing>
+    <p:tnLst>
+      <p:par>
+        <p:cTn id="1" dur="indefinite" restart="never" nodeType="tmRoot"/>
+      </p:par>
+    </p:tnLst>
+  </p:timing>
+</p:sld>
+</file>
+
+<file path=ppt/slides/slide32.xml><?xml version="1.0" encoding="utf-8"?>
+<p:sld xmlns:a="http://schemas.openxmlformats.org/drawingml/2006/main" xmlns:r="http://schemas.openxmlformats.org/officeDocument/2006/relationships" xmlns:p="http://schemas.openxmlformats.org/presentationml/2006/main">
+  <p:cSld>
+    <p:spTree>
+      <p:nvGrpSpPr>
+        <p:cNvPr id="1" name=""/>
+        <p:cNvGrpSpPr/>
+        <p:nvPr/>
+      </p:nvGrpSpPr>
+      <p:grpSpPr>
+        <a:xfrm>
+          <a:off x="0" y="0"/>
+          <a:ext cx="0" cy="0"/>
+          <a:chOff x="0" y="0"/>
+          <a:chExt cx="0" cy="0"/>
+        </a:xfrm>
+      </p:grpSpPr>
+      <p:sp>
+        <p:nvSpPr>
+          <p:cNvPr id="2" name="Titre 1"/>
+          <p:cNvSpPr>
+            <a:spLocks noGrp="1"/>
+          </p:cNvSpPr>
+          <p:nvPr>
+            <p:ph type="title"/>
+          </p:nvPr>
+        </p:nvSpPr>
+        <p:spPr>
+          <a:xfrm>
+            <a:off x="677334" y="559266"/>
+            <a:ext cx="8596668" cy="1320800"/>
+          </a:xfrm>
+        </p:spPr>
+        <p:txBody>
+          <a:bodyPr/>
+          <a:lstStyle/>
+          <a:p>
+            <a:r>
+              <a:rPr lang="fr-FR" dirty="0" smtClean="0"/>
+              <a:t>Future directions</a:t>
+            </a:r>
+            <a:endParaRPr lang="fr-FR" dirty="0"/>
+          </a:p>
+        </p:txBody>
+      </p:sp>
+      <p:sp>
+        <p:nvSpPr>
+          <p:cNvPr id="3" name="Espace réservé du contenu 2"/>
+          <p:cNvSpPr>
+            <a:spLocks noGrp="1"/>
+          </p:cNvSpPr>
+          <p:nvPr>
+            <p:ph idx="1"/>
+          </p:nvPr>
+        </p:nvSpPr>
+        <p:spPr/>
+        <p:txBody>
+          <a:bodyPr/>
+          <a:lstStyle/>
+          <a:p>
+            <a:r>
+              <a:rPr lang="en-US" dirty="0" smtClean="0"/>
+              <a:t>Test generation : learning of </a:t>
+            </a:r>
+            <a:r>
+              <a:rPr lang="en-US" dirty="0"/>
+              <a:t>test data equivalence classes on test execution traces </a:t>
+            </a:r>
+            <a:endParaRPr lang="en-US" dirty="0" smtClean="0"/>
+          </a:p>
+          <a:p>
+            <a:r>
+              <a:rPr lang="en-US" dirty="0"/>
+              <a:t>P</a:t>
+            </a:r>
+            <a:r>
+              <a:rPr lang="en-US" dirty="0" smtClean="0"/>
+              <a:t>rovide </a:t>
+            </a:r>
+            <a:r>
+              <a:rPr lang="en-US" dirty="0"/>
+              <a:t>a complete, open source </a:t>
+            </a:r>
+            <a:r>
+              <a:rPr lang="en-US" dirty="0" smtClean="0"/>
+              <a:t>toolbox</a:t>
+            </a:r>
+            <a:endParaRPr lang="fr-FR" dirty="0"/>
+          </a:p>
+        </p:txBody>
+      </p:sp>
+    </p:spTree>
+    <p:extLst>
+      <p:ext uri="{BB962C8B-B14F-4D97-AF65-F5344CB8AC3E}">
+        <p14:creationId xmlns:p14="http://schemas.microsoft.com/office/powerpoint/2010/main" val="1065832733"/>
+      </p:ext>
+    </p:extLst>
+  </p:cSld>
+  <p:clrMapOvr>
+    <a:masterClrMapping/>
+  </p:clrMapOvr>
+  <p:timing>
+    <p:tnLst>
+      <p:par>
+        <p:cTn id="1" dur="indefinite" restart="never" nodeType="tmRoot"/>
+      </p:par>
+    </p:tnLst>
+  </p:timing>
+</p:sld>
+</file>
+
+<file path=ppt/slides/slide33.xml><?xml version="1.0" encoding="utf-8"?>
+<p:sld xmlns:a="http://schemas.openxmlformats.org/drawingml/2006/main" xmlns:r="http://schemas.openxmlformats.org/officeDocument/2006/relationships" xmlns:p="http://schemas.openxmlformats.org/presentationml/2006/main">
+  <p:cSld>
+    <p:spTree>
+      <p:nvGrpSpPr>
+        <p:cNvPr id="1" name=""/>
+        <p:cNvGrpSpPr/>
+        <p:nvPr/>
+      </p:nvGrpSpPr>
+      <p:grpSpPr>
+        <a:xfrm>
+          <a:off x="0" y="0"/>
+          <a:ext cx="0" cy="0"/>
+          <a:chOff x="0" y="0"/>
+          <a:chExt cx="0" cy="0"/>
+        </a:xfrm>
+      </p:grpSpPr>
+      <p:sp>
+        <p:nvSpPr>
+          <p:cNvPr id="6" name="Titre 5"/>
+          <p:cNvSpPr>
+            <a:spLocks noGrp="1"/>
+          </p:cNvSpPr>
+          <p:nvPr>
+            <p:ph type="ctrTitle"/>
+          </p:nvPr>
+        </p:nvSpPr>
+        <p:spPr/>
+        <p:txBody>
+          <a:bodyPr/>
+          <a:lstStyle/>
+          <a:p>
+            <a:r>
+              <a:rPr lang="fr-FR" dirty="0" err="1" smtClean="0"/>
+              <a:t>Thank</a:t>
+            </a:r>
+            <a:r>
+              <a:rPr lang="fr-FR" dirty="0" smtClean="0"/>
+              <a:t> </a:t>
+            </a:r>
+            <a:r>
+              <a:rPr lang="fr-FR" dirty="0" err="1" smtClean="0"/>
+              <a:t>you</a:t>
+            </a:r>
+            <a:r>
+              <a:rPr lang="fr-FR" dirty="0" smtClean="0"/>
+              <a:t> !</a:t>
+            </a:r>
+            <a:endParaRPr lang="fr-FR" dirty="0"/>
+          </a:p>
+        </p:txBody>
+      </p:sp>
+    </p:spTree>
+    <p:extLst>
+      <p:ext uri="{BB962C8B-B14F-4D97-AF65-F5344CB8AC3E}">
+        <p14:creationId xmlns:p14="http://schemas.microsoft.com/office/powerpoint/2010/main" val="2229486000"/>
       </p:ext>
     </p:extLst>
   </p:cSld>
@@ -19255,11 +19745,15 @@
             </a:r>
             <a:r>
               <a:rPr lang="fr-FR" sz="3200" i="1" dirty="0" err="1" smtClean="0"/>
-              <a:t>ask</a:t>
+              <a:t>asked</a:t>
             </a:r>
             <a:r>
               <a:rPr lang="fr-FR" sz="3200" i="1" dirty="0" smtClean="0"/>
-              <a:t> to a control check and have to </a:t>
+              <a:t> </a:t>
+            </a:r>
+            <a:r>
+              <a:rPr lang="fr-FR" sz="3200" i="1" dirty="0" smtClean="0"/>
+              <a:t>to a control check and have to </a:t>
             </a:r>
             <a:r>
               <a:rPr lang="fr-FR" sz="3200" i="1" dirty="0" err="1" smtClean="0"/>
